--- a/BreweryAndCo.pptx
+++ b/BreweryAndCo.pptx
@@ -1037,6 +1037,13 @@
         </dgm:presLayoutVars>
       </dgm:prSet>
       <dgm:spPr/>
+      <dgm:t>
+        <a:bodyPr/>
+        <a:lstStyle/>
+        <a:p>
+          <a:endParaRPr lang="fr-FR"/>
+        </a:p>
+      </dgm:t>
     </dgm:pt>
     <dgm:pt modelId="{E0AB52AF-E407-0647-9AF8-A62AE358A121}" type="pres">
       <dgm:prSet presAssocID="{9F8A2660-988F-DA48-ABF3-531D7A12A356}" presName="parTxOnlySpace" presStyleCnt="0"/>
@@ -1051,6 +1058,13 @@
         </dgm:presLayoutVars>
       </dgm:prSet>
       <dgm:spPr/>
+      <dgm:t>
+        <a:bodyPr/>
+        <a:lstStyle/>
+        <a:p>
+          <a:endParaRPr lang="fr-FR"/>
+        </a:p>
+      </dgm:t>
     </dgm:pt>
     <dgm:pt modelId="{3939E6C8-F19B-4C40-B92C-005759217C5D}" type="pres">
       <dgm:prSet presAssocID="{22C2EEFA-BBB1-6642-ABB6-29155384830B}" presName="parTxOnlySpace" presStyleCnt="0"/>
@@ -2810,7 +2824,7 @@
           <a:p>
             <a:fld id="{76B3F2C8-1B63-984A-8C9D-2402B4577158}" type="datetimeFigureOut">
               <a:rPr lang="fr-FR" smtClean="0"/>
-              <a:t>25/05/2016</a:t>
+              <a:t>30/05/2016</a:t>
             </a:fld>
             <a:endParaRPr lang="fr-FR"/>
           </a:p>
@@ -2975,7 +2989,7 @@
           <a:p>
             <a:fld id="{FA4CF6AE-097E-314A-AF67-34E683B9D313}" type="datetimeFigureOut">
               <a:rPr lang="fr-FR" smtClean="0"/>
-              <a:t>25/05/2016</a:t>
+              <a:t>30/05/2016</a:t>
             </a:fld>
             <a:endParaRPr lang="fr-FR"/>
           </a:p>
@@ -7109,15 +7123,7 @@
           <a:p>
             <a:r>
               <a:rPr lang="fr-FR" dirty="0" smtClean="0"/>
-              <a:t>Eau : </a:t>
-            </a:r>
-            <a:r>
-              <a:rPr lang="fr-FR" dirty="0" smtClean="0"/>
-              <a:t>1.50</a:t>
-            </a:r>
-            <a:r>
-              <a:rPr lang="fr-FR" dirty="0" smtClean="0"/>
-              <a:t>/m</a:t>
+              <a:t>Eau : 1.50/m</a:t>
             </a:r>
             <a:r>
               <a:rPr lang="fr-FR" baseline="30000" dirty="0" smtClean="0"/>
@@ -7128,52 +7134,25 @@
           <a:p>
             <a:r>
               <a:rPr lang="fr-FR" dirty="0" smtClean="0"/>
-              <a:t>Malt d’orge </a:t>
-            </a:r>
+              <a:t>Malt d’orge 15.-/25kg</a:t>
+            </a:r>
+          </a:p>
+          <a:p>
             <a:r>
               <a:rPr lang="fr-FR" dirty="0" smtClean="0"/>
-              <a:t>15.-/25kg</a:t>
-            </a:r>
-            <a:endParaRPr lang="fr-FR" dirty="0" smtClean="0"/>
+              <a:t>Malt d’orge Bio 22.-/30kg</a:t>
+            </a:r>
           </a:p>
           <a:p>
             <a:r>
               <a:rPr lang="fr-FR" dirty="0" smtClean="0"/>
-              <a:t>Malt d’orge Bio </a:t>
-            </a:r>
+              <a:t>Malt de formant 11.-/25kg</a:t>
+            </a:r>
+          </a:p>
+          <a:p>
             <a:r>
               <a:rPr lang="fr-FR" dirty="0" smtClean="0"/>
-              <a:t>22</a:t>
-            </a:r>
-            <a:r>
-              <a:rPr lang="fr-FR" dirty="0" smtClean="0"/>
-              <a:t>.-/30kg</a:t>
-            </a:r>
-            <a:endParaRPr lang="fr-FR" dirty="0" smtClean="0"/>
-          </a:p>
-          <a:p>
-            <a:r>
-              <a:rPr lang="fr-FR" dirty="0" smtClean="0"/>
-              <a:t>Malt de formant </a:t>
-            </a:r>
-            <a:r>
-              <a:rPr lang="fr-FR" dirty="0" smtClean="0"/>
-              <a:t>11.-/25kg</a:t>
-            </a:r>
-            <a:endParaRPr lang="fr-FR" dirty="0" smtClean="0"/>
-          </a:p>
-          <a:p>
-            <a:r>
-              <a:rPr lang="fr-FR" dirty="0" smtClean="0"/>
-              <a:t>Houblon </a:t>
-            </a:r>
-            <a:r>
-              <a:rPr lang="fr-FR" dirty="0" smtClean="0"/>
-              <a:t>18</a:t>
-            </a:r>
-            <a:r>
-              <a:rPr lang="fr-FR" dirty="0" smtClean="0"/>
-              <a:t>.-/kg</a:t>
+              <a:t>Houblon 18.-/kg</a:t>
             </a:r>
           </a:p>
           <a:p>
@@ -7181,20 +7160,11 @@
               <a:rPr lang="fr-FR" dirty="0" smtClean="0"/>
               <a:t>Houblon Bio 27.-/kg</a:t>
             </a:r>
-            <a:endParaRPr lang="fr-FR" dirty="0" smtClean="0"/>
           </a:p>
           <a:p>
             <a:r>
               <a:rPr lang="fr-FR" dirty="0" smtClean="0"/>
-              <a:t>Levure </a:t>
-            </a:r>
-            <a:r>
-              <a:rPr lang="fr-FR" dirty="0" smtClean="0"/>
-              <a:t>250</a:t>
-            </a:r>
-            <a:r>
-              <a:rPr lang="fr-FR" dirty="0" smtClean="0"/>
-              <a:t>.-/kg</a:t>
+              <a:t>Levure 250.-/kg</a:t>
             </a:r>
           </a:p>
           <a:p>
@@ -7202,36 +7172,18 @@
               <a:rPr lang="fr-FR" dirty="0" smtClean="0"/>
               <a:t>Levure Bio 275.-/kg</a:t>
             </a:r>
-            <a:endParaRPr lang="fr-FR" dirty="0" smtClean="0"/>
           </a:p>
           <a:p>
             <a:r>
               <a:rPr lang="fr-FR" dirty="0" smtClean="0"/>
-              <a:t>Miel à </a:t>
-            </a:r>
+              <a:t>Miel à 10.-/kg</a:t>
+            </a:r>
+          </a:p>
+          <a:p>
             <a:r>
               <a:rPr lang="fr-FR" dirty="0" smtClean="0"/>
-              <a:t>10.-/kg</a:t>
-            </a:r>
-          </a:p>
-          <a:p>
-            <a:r>
-              <a:rPr lang="fr-FR" dirty="0" smtClean="0"/>
-              <a:t>Bouquet </a:t>
-            </a:r>
-            <a:r>
-              <a:rPr lang="fr-FR" dirty="0" smtClean="0"/>
-              <a:t>d’épice à </a:t>
-            </a:r>
-            <a:r>
-              <a:rPr lang="fr-FR" dirty="0" smtClean="0"/>
-              <a:t>0.20/</a:t>
-            </a:r>
-            <a:r>
-              <a:rPr lang="fr-FR" dirty="0" smtClean="0"/>
-              <a:t>bouquet de 25 grammes</a:t>
-            </a:r>
-            <a:endParaRPr lang="fr-FR" dirty="0" smtClean="0"/>
+              <a:t>Bouquet d’épice à 0.20/bouquet de 25 grammes</a:t>
+            </a:r>
           </a:p>
           <a:p>
             <a:endParaRPr lang="fr-FR" dirty="0" smtClean="0"/>
@@ -7351,29 +7303,13 @@
             </a:r>
             <a:r>
               <a:rPr lang="fr-FR" dirty="0" smtClean="0"/>
-              <a:t> d’une contenance de 50 cl revient au prix de </a:t>
-            </a:r>
+              <a:t> d’une contenance de 50 cl revient au prix de 0.01 cts de CHF l’unité</a:t>
+            </a:r>
+          </a:p>
+          <a:p>
             <a:r>
               <a:rPr lang="fr-FR" dirty="0" smtClean="0"/>
-              <a:t>0.01 </a:t>
-            </a:r>
-            <a:r>
-              <a:rPr lang="fr-FR" dirty="0" smtClean="0"/>
-              <a:t>cts de CHF l’unité</a:t>
-            </a:r>
-          </a:p>
-          <a:p>
-            <a:r>
-              <a:rPr lang="fr-FR" dirty="0" smtClean="0"/>
-              <a:t>Bouteille en verre d’une contenance 25 cl revient au prix de </a:t>
-            </a:r>
-            <a:r>
-              <a:rPr lang="fr-FR" dirty="0" smtClean="0"/>
-              <a:t>0.05 </a:t>
-            </a:r>
-            <a:r>
-              <a:rPr lang="fr-FR" dirty="0" smtClean="0"/>
-              <a:t>cts de CHF l’unité</a:t>
+              <a:t>Bouteille en verre d’une contenance 25 cl revient au prix de 0.05 cts de CHF l’unité</a:t>
             </a:r>
             <a:endParaRPr lang="fr-FR" dirty="0"/>
           </a:p>
@@ -7495,15 +7431,7 @@
             </a:r>
             <a:r>
               <a:rPr lang="fr-FR" dirty="0" smtClean="0"/>
-              <a:t>offrant des conditions de paiement à 30 jours et livre en </a:t>
-            </a:r>
-            <a:r>
-              <a:rPr lang="fr-FR" dirty="0" smtClean="0"/>
-              <a:t>20 jours</a:t>
-            </a:r>
-            <a:r>
-              <a:rPr lang="fr-FR" dirty="0" smtClean="0"/>
-              <a:t>. Il vous fournit en malts et levure</a:t>
+              <a:t>offrant des conditions de paiement à 30 jours et livre en 20 jours. Il vous fournit en malts et levure</a:t>
             </a:r>
           </a:p>
           <a:p>
@@ -7514,11 +7442,7 @@
             </a:r>
             <a:r>
               <a:rPr lang="fr-FR" dirty="0" smtClean="0"/>
-              <a:t>avec paiement à 15 </a:t>
-            </a:r>
-            <a:r>
-              <a:rPr lang="fr-FR" dirty="0" smtClean="0"/>
-              <a:t>jours</a:t>
+              <a:t>avec paiement à 15 jours</a:t>
             </a:r>
             <a:r>
               <a:rPr lang="fr-FR" dirty="0"/>
@@ -7715,15 +7639,7 @@
             </a:r>
             <a:r>
               <a:rPr lang="fr-FR" dirty="0" smtClean="0"/>
-              <a:t>aleur </a:t>
-            </a:r>
-            <a:r>
-              <a:rPr lang="fr-FR" dirty="0" smtClean="0"/>
-              <a:t>de 400’000</a:t>
-            </a:r>
-            <a:r>
-              <a:rPr lang="fr-FR" dirty="0" smtClean="0"/>
-              <a:t>.</a:t>
+              <a:t>aleur de 400’000.</a:t>
             </a:r>
             <a:r>
               <a:rPr lang="fr-CH" dirty="0" smtClean="0"/>
@@ -7756,19 +7672,7 @@
             <a:pPr lvl="1"/>
             <a:r>
               <a:rPr lang="fr-CH" dirty="0" smtClean="0"/>
-              <a:t>Valeur de </a:t>
-            </a:r>
-            <a:r>
-              <a:rPr lang="fr-CH" dirty="0" smtClean="0"/>
-              <a:t>1</a:t>
-            </a:r>
-            <a:r>
-              <a:rPr lang="fr-CH" dirty="0" smtClean="0"/>
-              <a:t>’200’000</a:t>
-            </a:r>
-            <a:r>
-              <a:rPr lang="fr-CH" dirty="0" smtClean="0"/>
-              <a:t>.– CHF</a:t>
+              <a:t>Valeur de 1’200’000.– CHF</a:t>
             </a:r>
           </a:p>
           <a:p>
@@ -7786,27 +7690,7 @@
             <a:pPr lvl="1"/>
             <a:r>
               <a:rPr lang="fr-CH" dirty="0" smtClean="0"/>
-              <a:t>Initialement à </a:t>
-            </a:r>
-            <a:r>
-              <a:rPr lang="fr-CH" dirty="0" smtClean="0"/>
-              <a:t>4.5% </a:t>
-            </a:r>
-            <a:r>
-              <a:rPr lang="fr-CH" dirty="0" smtClean="0"/>
-              <a:t>sur </a:t>
-            </a:r>
-            <a:r>
-              <a:rPr lang="fr-CH" dirty="0" smtClean="0"/>
-              <a:t>25</a:t>
-            </a:r>
-            <a:r>
-              <a:rPr lang="fr-CH" dirty="0" smtClean="0"/>
-              <a:t> </a:t>
-            </a:r>
-            <a:r>
-              <a:rPr lang="fr-CH" dirty="0" smtClean="0"/>
-              <a:t>ans</a:t>
+              <a:t>Initialement à 4.5% sur 25 ans</a:t>
             </a:r>
           </a:p>
         </p:txBody>
@@ -8983,38 +8867,13 @@
             <a:pPr lvl="1"/>
             <a:r>
               <a:rPr lang="fr-FR" dirty="0" smtClean="0"/>
-              <a:t>Pour rappel : </a:t>
-            </a:r>
+              <a:t>Pour rappel : 27’792 kilogrammes de matières première et 72’000 unités </a:t>
+            </a:r>
+          </a:p>
+          <a:p>
             <a:r>
               <a:rPr lang="fr-FR" dirty="0" smtClean="0"/>
-              <a:t>27’792 </a:t>
-            </a:r>
-            <a:r>
-              <a:rPr lang="fr-FR" dirty="0" smtClean="0"/>
-              <a:t>kilogrammes de matières première et </a:t>
-            </a:r>
-            <a:r>
-              <a:rPr lang="fr-FR" dirty="0" smtClean="0"/>
-              <a:t>72</a:t>
-            </a:r>
-            <a:r>
-              <a:rPr lang="fr-FR" dirty="0" smtClean="0"/>
-              <a:t>’000 </a:t>
-            </a:r>
-            <a:r>
-              <a:rPr lang="fr-FR" dirty="0" smtClean="0"/>
-              <a:t>unités </a:t>
-            </a:r>
-            <a:endParaRPr lang="fr-FR" dirty="0" smtClean="0"/>
-          </a:p>
-          <a:p>
-            <a:r>
-              <a:rPr lang="fr-FR" dirty="0" smtClean="0"/>
-              <a:t>Vous </a:t>
-            </a:r>
-            <a:r>
-              <a:rPr lang="fr-FR" dirty="0" smtClean="0"/>
-              <a:t>avez la possibilité d’acquérir de l’espace supplémentaire auprès de </a:t>
+              <a:t>Vous avez la possibilité d’acquérir de l’espace supplémentaire auprès de </a:t>
             </a:r>
             <a:r>
               <a:rPr lang="fr-FR" b="1" dirty="0" err="1" smtClean="0"/>
@@ -9037,22 +8896,14 @@
             <a:pPr lvl="1"/>
             <a:r>
               <a:rPr lang="fr-FR" dirty="0" smtClean="0"/>
-              <a:t>5’000 </a:t>
-            </a:r>
+              <a:t>5’000 kilogrammes sont facturés à 200.- CHF/jour</a:t>
+            </a:r>
+          </a:p>
+          <a:p>
+            <a:pPr lvl="1"/>
             <a:r>
               <a:rPr lang="fr-FR" dirty="0" smtClean="0"/>
-              <a:t>kilogrammes sont facturés à 200.- CHF/jour</a:t>
-            </a:r>
-          </a:p>
-          <a:p>
-            <a:pPr lvl="1"/>
-            <a:r>
-              <a:rPr lang="fr-FR" dirty="0" smtClean="0"/>
-              <a:t>10’000 </a:t>
-            </a:r>
-            <a:r>
-              <a:rPr lang="fr-FR" dirty="0" smtClean="0"/>
-              <a:t>unités sont facturées au prix de 200.- CHF/jour</a:t>
+              <a:t>10’000 unités sont facturées au prix de 200.- CHF/jour</a:t>
             </a:r>
             <a:endParaRPr lang="fr-FR" dirty="0"/>
           </a:p>
@@ -9282,11 +9133,7 @@
           <a:p>
             <a:r>
               <a:rPr lang="fr-FR" dirty="0" smtClean="0"/>
-              <a:t>Frais </a:t>
-            </a:r>
-            <a:r>
-              <a:rPr lang="fr-FR" dirty="0" smtClean="0"/>
-              <a:t>fixes mensuels</a:t>
+              <a:t>Frais fixes mensuels</a:t>
             </a:r>
             <a:endParaRPr lang="fr-FR" dirty="0"/>
           </a:p>
@@ -9309,40 +9156,19 @@
           <a:p>
             <a:r>
               <a:rPr lang="fr-FR" dirty="0" smtClean="0"/>
-              <a:t>Votre société </a:t>
-            </a:r>
+              <a:t>Votre société travaille 5 jours sur 7</a:t>
+            </a:r>
+          </a:p>
+          <a:p>
             <a:r>
               <a:rPr lang="fr-FR" dirty="0" smtClean="0"/>
-              <a:t>travaille 5 jours sur 7</a:t>
-            </a:r>
-            <a:endParaRPr lang="fr-FR" dirty="0" smtClean="0"/>
+              <a:t>10’000.- CHF pour la main d’œuvre direct</a:t>
+            </a:r>
           </a:p>
           <a:p>
             <a:r>
               <a:rPr lang="fr-FR" dirty="0" smtClean="0"/>
-              <a:t>10’000</a:t>
-            </a:r>
-            <a:r>
-              <a:rPr lang="fr-FR" dirty="0" smtClean="0"/>
-              <a:t>.- CHF pour la main d’œuvre </a:t>
-            </a:r>
-            <a:r>
-              <a:rPr lang="fr-FR" dirty="0" smtClean="0"/>
-              <a:t>direct</a:t>
-            </a:r>
-          </a:p>
-          <a:p>
-            <a:r>
-              <a:rPr lang="fr-FR" dirty="0" smtClean="0"/>
-              <a:t>25’000</a:t>
-            </a:r>
-            <a:r>
-              <a:rPr lang="fr-FR" dirty="0" smtClean="0"/>
-              <a:t>.- CHF pour les SG&amp;A (ventes, généraux et administratifs</a:t>
-            </a:r>
-            <a:r>
-              <a:rPr lang="fr-FR" dirty="0" smtClean="0"/>
-              <a:t>)</a:t>
+              <a:t>25’000.- CHF pour les SG&amp;A (ventes, généraux et administratifs)</a:t>
             </a:r>
           </a:p>
           <a:p>
@@ -10518,11 +10344,7 @@
                     <a:p>
                       <a:r>
                         <a:rPr lang="fr-FR" b="0" dirty="0" smtClean="0"/>
-                        <a:t>Malt </a:t>
-                      </a:r>
-                      <a:r>
-                        <a:rPr lang="fr-FR" b="0" dirty="0" smtClean="0"/>
-                        <a:t>d’orge</a:t>
+                        <a:t>Malt d’orge</a:t>
                       </a:r>
                       <a:endParaRPr lang="fr-FR" b="0" dirty="0"/>
                     </a:p>
@@ -11513,11 +11335,7 @@
                       </a:pPr>
                       <a:r>
                         <a:rPr lang="fr-FR" i="1" dirty="0" smtClean="0"/>
-                        <a:t>8 </a:t>
-                      </a:r>
-                      <a:r>
-                        <a:rPr lang="fr-FR" i="1" dirty="0" smtClean="0"/>
-                        <a:t>kg</a:t>
+                        <a:t>8 kg</a:t>
                       </a:r>
                     </a:p>
                   </a:txBody>
@@ -17084,15 +16902,7 @@
             </a:r>
             <a:r>
               <a:rPr lang="fr-FR" dirty="0" smtClean="0"/>
-              <a:t>50</a:t>
-            </a:r>
-            <a:r>
-              <a:rPr lang="fr-FR" dirty="0" smtClean="0"/>
-              <a:t>’000.- CHF de </a:t>
-            </a:r>
-            <a:r>
-              <a:rPr lang="fr-FR" dirty="0" smtClean="0"/>
-              <a:t>liquidité à disposition</a:t>
+              <a:t>50’000.- CHF de liquidité à disposition</a:t>
             </a:r>
           </a:p>
           <a:p>
@@ -17373,11 +17183,7 @@
           <a:p>
             <a:r>
               <a:rPr lang="fr-FR" dirty="0" smtClean="0"/>
-              <a:t>Vous rejoignez une société constituée uniquement de </a:t>
-            </a:r>
-            <a:r>
-              <a:rPr lang="fr-FR" dirty="0" smtClean="0"/>
-              <a:t>main d’œuvre directe, i.e. cinq employé</a:t>
+              <a:t>Vous rejoignez une société constituée uniquement de main d’œuvre directe, i.e. cinq employé</a:t>
             </a:r>
           </a:p>
           <a:p>
@@ -17397,11 +17203,7 @@
           <a:p>
             <a:r>
               <a:rPr lang="fr-CH" dirty="0" smtClean="0"/>
-              <a:t>Vos </a:t>
-            </a:r>
-            <a:r>
-              <a:rPr lang="fr-CH" dirty="0" smtClean="0"/>
-              <a:t>responsabilités sont de rendre efficient les principaux processus opérationnels</a:t>
+              <a:t>Vos responsabilités sont de rendre efficient les principaux processus opérationnels</a:t>
             </a:r>
           </a:p>
           <a:p>
@@ -17528,11 +17330,7 @@
           <a:p>
             <a:r>
               <a:rPr lang="fr-FR" dirty="0" smtClean="0"/>
-              <a:t>Une </a:t>
-            </a:r>
-            <a:r>
-              <a:rPr lang="fr-FR" dirty="0" smtClean="0"/>
-              <a:t>halle de production</a:t>
+              <a:t>Une halle de production</a:t>
             </a:r>
           </a:p>
           <a:p>
@@ -17550,34 +17348,14 @@
             <a:pPr lvl="1"/>
             <a:r>
               <a:rPr lang="fr-FR" dirty="0" smtClean="0"/>
-              <a:t>Valeur de </a:t>
-            </a:r>
+              <a:t>Valeur de 150’000.- CHF par ligne</a:t>
+            </a:r>
+          </a:p>
+          <a:p>
+            <a:pPr lvl="1"/>
             <a:r>
               <a:rPr lang="fr-FR" dirty="0" smtClean="0"/>
-              <a:t>15</a:t>
-            </a:r>
-            <a:r>
-              <a:rPr lang="fr-FR" dirty="0" smtClean="0"/>
-              <a:t>0’000</a:t>
-            </a:r>
-            <a:r>
-              <a:rPr lang="fr-FR" dirty="0" smtClean="0"/>
-              <a:t>.- CHF par ligne</a:t>
-            </a:r>
-          </a:p>
-          <a:p>
-            <a:pPr lvl="1"/>
-            <a:r>
-              <a:rPr lang="fr-FR" dirty="0" smtClean="0"/>
-              <a:t>Capacité mensuelle de </a:t>
-            </a:r>
-            <a:r>
-              <a:rPr lang="fr-FR" dirty="0" smtClean="0"/>
-              <a:t>12’000 </a:t>
-            </a:r>
-            <a:r>
-              <a:rPr lang="fr-FR" dirty="0" smtClean="0"/>
-              <a:t>litres totales</a:t>
+              <a:t>Capacité mensuelle de 12’000 litres totales</a:t>
             </a:r>
           </a:p>
           <a:p>
@@ -17639,11 +17417,7 @@
           <a:p>
             <a:r>
               <a:rPr lang="fr-CH" dirty="0" smtClean="0"/>
-              <a:t>Entrepôt produits finis de 72’000 </a:t>
-            </a:r>
-            <a:r>
-              <a:rPr lang="fr-CH" dirty="0" smtClean="0"/>
-              <a:t>unités</a:t>
+              <a:t>Entrepôt produits finis de 72’000 unités</a:t>
             </a:r>
           </a:p>
           <a:p>
@@ -17721,8 +17495,8 @@
         </p:nvSpPr>
         <p:spPr>
           <a:xfrm>
-            <a:off x="7601487" y="1434172"/>
-            <a:ext cx="3817520" cy="769441"/>
+            <a:off x="6245157" y="1690688"/>
+            <a:ext cx="5108643" cy="646331"/>
           </a:xfrm>
           <a:prstGeom prst="rect">
             <a:avLst/>
@@ -17730,20 +17504,29 @@
           <a:noFill/>
         </p:spPr>
         <p:txBody>
-          <a:bodyPr wrap="none" rtlCol="0">
+          <a:bodyPr wrap="square" rtlCol="0">
             <a:spAutoFit/>
           </a:bodyPr>
           <a:lstStyle/>
           <a:p>
-            <a:r>
-              <a:rPr lang="fr-FR" sz="4400" b="1" dirty="0" smtClean="0">
+            <a:pPr algn="r"/>
+            <a:r>
+              <a:rPr lang="fr-FR" sz="3600" b="1" dirty="0" smtClean="0">
                 <a:solidFill>
                   <a:srgbClr val="A14788"/>
                 </a:solidFill>
               </a:rPr>
-              <a:t>CHF 1’000’000.-</a:t>
-            </a:r>
-            <a:endParaRPr lang="fr-FR" sz="4400" b="1" dirty="0">
+              <a:t>Valeur de </a:t>
+            </a:r>
+            <a:r>
+              <a:rPr lang="fr-FR" sz="3600" b="1" dirty="0" smtClean="0">
+                <a:solidFill>
+                  <a:srgbClr val="A14788"/>
+                </a:solidFill>
+              </a:rPr>
+              <a:t>1’000’000.- CHF</a:t>
+            </a:r>
+            <a:endParaRPr lang="fr-FR" sz="3600" b="1" dirty="0">
               <a:solidFill>
                 <a:srgbClr val="A14788"/>
               </a:solidFill>
@@ -18485,11 +18268,7 @@
             <a:pPr lvl="1"/>
             <a:r>
               <a:rPr lang="fr-FR" dirty="0" smtClean="0"/>
-              <a:t>Levure 6 grammes par </a:t>
-            </a:r>
-            <a:r>
-              <a:rPr lang="fr-FR" dirty="0" smtClean="0"/>
-              <a:t>litre</a:t>
+              <a:t>Levure 6 grammes par litre</a:t>
             </a:r>
           </a:p>
           <a:p>
@@ -18505,7 +18284,6 @@
               <a:rPr lang="fr-FR" dirty="0" smtClean="0"/>
               <a:t>Épices 2 bouquets par litre</a:t>
             </a:r>
-            <a:endParaRPr lang="fr-FR" dirty="0" smtClean="0"/>
           </a:p>
         </p:txBody>
       </p:sp>

--- a/BreweryAndCo.pptx
+++ b/BreweryAndCo.pptx
@@ -2824,7 +2824,7 @@
           <a:p>
             <a:fld id="{76B3F2C8-1B63-984A-8C9D-2402B4577158}" type="datetimeFigureOut">
               <a:rPr lang="fr-FR" smtClean="0"/>
-              <a:t>30/05/2016</a:t>
+              <a:t>07/06/2016</a:t>
             </a:fld>
             <a:endParaRPr lang="fr-FR"/>
           </a:p>
@@ -2989,7 +2989,7 @@
           <a:p>
             <a:fld id="{FA4CF6AE-097E-314A-AF67-34E683B9D313}" type="datetimeFigureOut">
               <a:rPr lang="fr-FR" smtClean="0"/>
-              <a:t>30/05/2016</a:t>
+              <a:t>07/06/2016</a:t>
             </a:fld>
             <a:endParaRPr lang="fr-FR"/>
           </a:p>
@@ -7450,11 +7450,11 @@
             </a:r>
             <a:r>
               <a:rPr lang="fr-FR" dirty="0" smtClean="0"/>
-              <a:t>et 15 jours à </a:t>
-            </a:r>
-            <a:r>
-              <a:rPr lang="fr-CH" dirty="0" smtClean="0"/>
-              <a:t>être livrée.</a:t>
+              <a:t>et 15 </a:t>
+            </a:r>
+            <a:r>
+              <a:rPr lang="fr-FR" dirty="0" smtClean="0"/>
+              <a:t>jours à livrer l’eau traitée.</a:t>
             </a:r>
             <a:endParaRPr lang="fr-FR" dirty="0" smtClean="0"/>
           </a:p>
@@ -7483,15 +7483,15 @@
             </a:r>
             <a:r>
               <a:rPr lang="fr-FR" dirty="0" smtClean="0"/>
-              <a:t>avec les m</a:t>
-            </a:r>
-            <a:r>
-              <a:rPr lang="fr-CH" dirty="0" err="1" smtClean="0"/>
-              <a:t>êmes</a:t>
+              <a:t>avec </a:t>
+            </a:r>
+            <a:r>
+              <a:rPr lang="fr-FR" dirty="0" smtClean="0"/>
+              <a:t>des </a:t>
             </a:r>
             <a:r>
               <a:rPr lang="fr-CH" dirty="0" smtClean="0"/>
-              <a:t> conditions</a:t>
+              <a:t>conditions semblables</a:t>
             </a:r>
             <a:endParaRPr lang="fr-FR" dirty="0"/>
           </a:p>
@@ -9310,7 +9310,7 @@
             <p:ph sz="quarter" idx="10"/>
             <p:extLst>
               <p:ext uri="{D42A27DB-BD31-4B8C-83A1-F6EECF244321}">
-                <p14:modId xmlns:p14="http://schemas.microsoft.com/office/powerpoint/2010/main" val="709767644"/>
+                <p14:modId xmlns:p14="http://schemas.microsoft.com/office/powerpoint/2010/main" val="1979394142"/>
               </p:ext>
             </p:extLst>
           </p:nvPr>
@@ -13017,8 +13017,8 @@
                     <a:p>
                       <a:pPr algn="ctr"/>
                       <a:r>
-                        <a:rPr lang="fr-FR" i="1" dirty="0" smtClean="0"/>
-                        <a:t>8’000x</a:t>
+                        <a:rPr lang="fr-FR" i="1" smtClean="0"/>
+                        <a:t>2’000 kg</a:t>
                       </a:r>
                       <a:endParaRPr lang="fr-FR" i="1" dirty="0"/>
                     </a:p>
@@ -17516,15 +17516,7 @@
                   <a:srgbClr val="A14788"/>
                 </a:solidFill>
               </a:rPr>
-              <a:t>Valeur de </a:t>
-            </a:r>
-            <a:r>
-              <a:rPr lang="fr-FR" sz="3600" b="1" dirty="0" smtClean="0">
-                <a:solidFill>
-                  <a:srgbClr val="A14788"/>
-                </a:solidFill>
-              </a:rPr>
-              <a:t>1’000’000.- CHF</a:t>
+              <a:t>Valeur de 1’000’000.- CHF</a:t>
             </a:r>
             <a:endParaRPr lang="fr-FR" sz="3600" b="1" dirty="0">
               <a:solidFill>

--- a/BreweryAndCo.pptx
+++ b/BreweryAndCo.pptx
@@ -18,8 +18,8 @@
     <p:sldId id="261" r:id="rId6"/>
     <p:sldId id="262" r:id="rId7"/>
     <p:sldId id="263" r:id="rId8"/>
-    <p:sldId id="274" r:id="rId9"/>
-    <p:sldId id="270" r:id="rId10"/>
+    <p:sldId id="270" r:id="rId9"/>
+    <p:sldId id="274" r:id="rId10"/>
     <p:sldId id="271" r:id="rId11"/>
     <p:sldId id="272" r:id="rId12"/>
     <p:sldId id="264" r:id="rId13"/>
@@ -905,18 +905,42 @@
     </dgm:pt>
     <dgm:pt modelId="{4B30577E-3760-094B-B6D2-BE85E98AD77C}">
       <dgm:prSet phldrT="[Texte]" custT="1"/>
-      <dgm:spPr/>
+      <dgm:spPr>
+        <a:gradFill rotWithShape="0">
+          <a:gsLst>
+            <a:gs pos="0">
+              <a:srgbClr val="A14788"/>
+            </a:gs>
+            <a:gs pos="50000">
+              <a:srgbClr val="A14788"/>
+            </a:gs>
+            <a:gs pos="100000">
+              <a:srgbClr val="B8519B"/>
+            </a:gs>
+          </a:gsLst>
+        </a:gradFill>
+      </dgm:spPr>
       <dgm:t>
         <a:bodyPr/>
         <a:lstStyle/>
         <a:p>
           <a:r>
             <a:rPr lang="fr-FR" sz="1400" dirty="0" smtClean="0"/>
-            <a:t>Brassage – 1</a:t>
+            <a:t>Phase 1</a:t>
+          </a:r>
+        </a:p>
+        <a:p>
+          <a:r>
+            <a:rPr lang="fr-FR" sz="1400" dirty="0" smtClean="0"/>
+            <a:t>Brassage </a:t>
           </a:r>
           <a:r>
-            <a:rPr lang="fr-FR" sz="1400" baseline="0" dirty="0" smtClean="0"/>
-            <a:t> jour</a:t>
+            <a:rPr lang="fr-FR" sz="1400" dirty="0" smtClean="0"/>
+            <a:t>– </a:t>
+          </a:r>
+          <a:r>
+            <a:rPr lang="fr-FR" sz="1400" dirty="0" smtClean="0"/>
+            <a:t>5 heures</a:t>
           </a:r>
           <a:endParaRPr lang="fr-FR" sz="1400" dirty="0"/>
         </a:p>
@@ -946,14 +970,51 @@
     </dgm:pt>
     <dgm:pt modelId="{3F29CD96-7B0D-A240-AD95-E17F0FC1F346}">
       <dgm:prSet phldrT="[Texte]" custT="1"/>
-      <dgm:spPr/>
+      <dgm:spPr>
+        <a:gradFill rotWithShape="0">
+          <a:gsLst>
+            <a:gs pos="0">
+              <a:srgbClr val="A14788"/>
+            </a:gs>
+            <a:gs pos="50000">
+              <a:srgbClr val="A14788"/>
+            </a:gs>
+            <a:gs pos="100000">
+              <a:srgbClr val="B8519B"/>
+            </a:gs>
+          </a:gsLst>
+        </a:gradFill>
+      </dgm:spPr>
       <dgm:t>
         <a:bodyPr/>
         <a:lstStyle/>
         <a:p>
           <a:r>
             <a:rPr lang="fr-FR" sz="1400" dirty="0" smtClean="0"/>
-            <a:t>Fermentation – 4 jours</a:t>
+            <a:t>Phase</a:t>
+          </a:r>
+          <a:r>
+            <a:rPr lang="fr-FR" sz="1400" baseline="0" dirty="0" smtClean="0"/>
+            <a:t> 2</a:t>
+          </a:r>
+          <a:endParaRPr lang="fr-FR" sz="1400" dirty="0" smtClean="0"/>
+        </a:p>
+        <a:p>
+          <a:r>
+            <a:rPr lang="fr-FR" sz="1400" dirty="0" smtClean="0"/>
+            <a:t>Fermentation </a:t>
+          </a:r>
+          <a:r>
+            <a:rPr lang="fr-FR" sz="1400" dirty="0" smtClean="0"/>
+            <a:t>– </a:t>
+          </a:r>
+          <a:r>
+            <a:rPr lang="fr-FR" sz="1400" dirty="0" smtClean="0"/>
+            <a:t>1 </a:t>
+          </a:r>
+          <a:r>
+            <a:rPr lang="fr-FR" sz="1400" dirty="0" smtClean="0"/>
+            <a:t>jours</a:t>
           </a:r>
           <a:endParaRPr lang="fr-FR" sz="1400" dirty="0"/>
         </a:p>
@@ -983,14 +1044,46 @@
     </dgm:pt>
     <dgm:pt modelId="{04964182-9BB5-E44C-9D09-BC8F814D28EA}">
       <dgm:prSet phldrT="[Texte]" custT="1"/>
-      <dgm:spPr/>
+      <dgm:spPr>
+        <a:gradFill rotWithShape="0">
+          <a:gsLst>
+            <a:gs pos="0">
+              <a:srgbClr val="A14788"/>
+            </a:gs>
+            <a:gs pos="50000">
+              <a:srgbClr val="A14788"/>
+            </a:gs>
+            <a:gs pos="100000">
+              <a:srgbClr val="B8519B"/>
+            </a:gs>
+          </a:gsLst>
+        </a:gradFill>
+      </dgm:spPr>
       <dgm:t>
         <a:bodyPr/>
         <a:lstStyle/>
         <a:p>
           <a:r>
             <a:rPr lang="fr-FR" sz="1400" dirty="0" smtClean="0"/>
-            <a:t>Garde - 20 jours</a:t>
+            <a:t>Phase 3</a:t>
+          </a:r>
+        </a:p>
+        <a:p>
+          <a:r>
+            <a:rPr lang="fr-FR" sz="1400" dirty="0" smtClean="0"/>
+            <a:t>Garde </a:t>
+          </a:r>
+          <a:r>
+            <a:rPr lang="fr-FR" sz="1400" dirty="0" smtClean="0"/>
+            <a:t>- </a:t>
+          </a:r>
+          <a:r>
+            <a:rPr lang="fr-FR" sz="1400" dirty="0" smtClean="0"/>
+            <a:t>4 </a:t>
+          </a:r>
+          <a:r>
+            <a:rPr lang="fr-FR" sz="1400" dirty="0" smtClean="0"/>
+            <a:t>jours</a:t>
           </a:r>
           <a:endParaRPr lang="fr-FR" sz="1400" dirty="0"/>
         </a:p>
@@ -1127,8 +1220,8 @@
       </dsp:nvSpPr>
       <dsp:spPr>
         <a:xfrm>
-          <a:off x="2381" y="227164"/>
-          <a:ext cx="2901156" cy="1160462"/>
+          <a:off x="2320" y="242013"/>
+          <a:ext cx="2826914" cy="1130765"/>
         </a:xfrm>
         <a:prstGeom prst="chevron">
           <a:avLst/>
@@ -1136,37 +1229,13 @@
         <a:gradFill rotWithShape="0">
           <a:gsLst>
             <a:gs pos="0">
-              <a:schemeClr val="accent1">
-                <a:hueOff val="0"/>
-                <a:satOff val="0"/>
-                <a:lumOff val="0"/>
-                <a:alphaOff val="0"/>
-                <a:satMod val="103000"/>
-                <a:lumMod val="102000"/>
-                <a:tint val="94000"/>
-              </a:schemeClr>
+              <a:srgbClr val="A14788"/>
             </a:gs>
             <a:gs pos="50000">
-              <a:schemeClr val="accent1">
-                <a:hueOff val="0"/>
-                <a:satOff val="0"/>
-                <a:lumOff val="0"/>
-                <a:alphaOff val="0"/>
-                <a:satMod val="110000"/>
-                <a:lumMod val="100000"/>
-                <a:shade val="100000"/>
-              </a:schemeClr>
+              <a:srgbClr val="A14788"/>
             </a:gs>
             <a:gs pos="100000">
-              <a:schemeClr val="accent1">
-                <a:hueOff val="0"/>
-                <a:satOff val="0"/>
-                <a:lumOff val="0"/>
-                <a:alphaOff val="0"/>
-                <a:lumMod val="99000"/>
-                <a:satMod val="120000"/>
-                <a:shade val="78000"/>
-              </a:schemeClr>
+              <a:srgbClr val="B8519B"/>
             </a:gs>
           </a:gsLst>
           <a:lin ang="5400000" scaled="0"/>
@@ -1209,18 +1278,39 @@
           </a:pPr>
           <a:r>
             <a:rPr lang="fr-FR" sz="1400" kern="1200" dirty="0" smtClean="0"/>
-            <a:t>Brassage – 1</a:t>
+            <a:t>Phase 1</a:t>
+          </a:r>
+        </a:p>
+        <a:p>
+          <a:pPr lvl="0" algn="ctr" defTabSz="622300">
+            <a:lnSpc>
+              <a:spcPct val="90000"/>
+            </a:lnSpc>
+            <a:spcBef>
+              <a:spcPct val="0"/>
+            </a:spcBef>
+            <a:spcAft>
+              <a:spcPct val="35000"/>
+            </a:spcAft>
+          </a:pPr>
+          <a:r>
+            <a:rPr lang="fr-FR" sz="1400" kern="1200" dirty="0" smtClean="0"/>
+            <a:t>Brassage </a:t>
           </a:r>
           <a:r>
-            <a:rPr lang="fr-FR" sz="1400" kern="1200" baseline="0" dirty="0" smtClean="0"/>
-            <a:t> jour</a:t>
+            <a:rPr lang="fr-FR" sz="1400" kern="1200" dirty="0" smtClean="0"/>
+            <a:t>– </a:t>
+          </a:r>
+          <a:r>
+            <a:rPr lang="fr-FR" sz="1400" kern="1200" dirty="0" smtClean="0"/>
+            <a:t>5 heures</a:t>
           </a:r>
           <a:endParaRPr lang="fr-FR" sz="1400" kern="1200" dirty="0"/>
         </a:p>
       </dsp:txBody>
       <dsp:txXfrm>
-        <a:off x="582612" y="227164"/>
-        <a:ext cx="1740694" cy="1160462"/>
+        <a:off x="567703" y="242013"/>
+        <a:ext cx="1696149" cy="1130765"/>
       </dsp:txXfrm>
     </dsp:sp>
     <dsp:sp modelId="{530F5B46-AF0A-2849-B515-4693133DFC14}">
@@ -1230,8 +1320,8 @@
       </dsp:nvSpPr>
       <dsp:spPr>
         <a:xfrm>
-          <a:off x="2613421" y="227164"/>
-          <a:ext cx="2901156" cy="1160462"/>
+          <a:off x="2546542" y="242013"/>
+          <a:ext cx="2826914" cy="1130765"/>
         </a:xfrm>
         <a:prstGeom prst="chevron">
           <a:avLst/>
@@ -1239,37 +1329,13 @@
         <a:gradFill rotWithShape="0">
           <a:gsLst>
             <a:gs pos="0">
-              <a:schemeClr val="accent1">
-                <a:hueOff val="0"/>
-                <a:satOff val="0"/>
-                <a:lumOff val="0"/>
-                <a:alphaOff val="0"/>
-                <a:satMod val="103000"/>
-                <a:lumMod val="102000"/>
-                <a:tint val="94000"/>
-              </a:schemeClr>
+              <a:srgbClr val="A14788"/>
             </a:gs>
             <a:gs pos="50000">
-              <a:schemeClr val="accent1">
-                <a:hueOff val="0"/>
-                <a:satOff val="0"/>
-                <a:lumOff val="0"/>
-                <a:alphaOff val="0"/>
-                <a:satMod val="110000"/>
-                <a:lumMod val="100000"/>
-                <a:shade val="100000"/>
-              </a:schemeClr>
+              <a:srgbClr val="A14788"/>
             </a:gs>
             <a:gs pos="100000">
-              <a:schemeClr val="accent1">
-                <a:hueOff val="0"/>
-                <a:satOff val="0"/>
-                <a:lumOff val="0"/>
-                <a:alphaOff val="0"/>
-                <a:lumMod val="99000"/>
-                <a:satMod val="120000"/>
-                <a:shade val="78000"/>
-              </a:schemeClr>
+              <a:srgbClr val="B8519B"/>
             </a:gs>
           </a:gsLst>
           <a:lin ang="5400000" scaled="0"/>
@@ -1312,14 +1378,48 @@
           </a:pPr>
           <a:r>
             <a:rPr lang="fr-FR" sz="1400" kern="1200" dirty="0" smtClean="0"/>
-            <a:t>Fermentation – 4 jours</a:t>
+            <a:t>Phase</a:t>
+          </a:r>
+          <a:r>
+            <a:rPr lang="fr-FR" sz="1400" kern="1200" baseline="0" dirty="0" smtClean="0"/>
+            <a:t> 2</a:t>
+          </a:r>
+          <a:endParaRPr lang="fr-FR" sz="1400" kern="1200" dirty="0" smtClean="0"/>
+        </a:p>
+        <a:p>
+          <a:pPr lvl="0" algn="ctr" defTabSz="622300">
+            <a:lnSpc>
+              <a:spcPct val="90000"/>
+            </a:lnSpc>
+            <a:spcBef>
+              <a:spcPct val="0"/>
+            </a:spcBef>
+            <a:spcAft>
+              <a:spcPct val="35000"/>
+            </a:spcAft>
+          </a:pPr>
+          <a:r>
+            <a:rPr lang="fr-FR" sz="1400" kern="1200" dirty="0" smtClean="0"/>
+            <a:t>Fermentation </a:t>
+          </a:r>
+          <a:r>
+            <a:rPr lang="fr-FR" sz="1400" kern="1200" dirty="0" smtClean="0"/>
+            <a:t>– </a:t>
+          </a:r>
+          <a:r>
+            <a:rPr lang="fr-FR" sz="1400" kern="1200" dirty="0" smtClean="0"/>
+            <a:t>1 </a:t>
+          </a:r>
+          <a:r>
+            <a:rPr lang="fr-FR" sz="1400" kern="1200" dirty="0" smtClean="0"/>
+            <a:t>jours</a:t>
           </a:r>
           <a:endParaRPr lang="fr-FR" sz="1400" kern="1200" dirty="0"/>
         </a:p>
       </dsp:txBody>
       <dsp:txXfrm>
-        <a:off x="3193652" y="227164"/>
-        <a:ext cx="1740694" cy="1160462"/>
+        <a:off x="3111925" y="242013"/>
+        <a:ext cx="1696149" cy="1130765"/>
       </dsp:txXfrm>
     </dsp:sp>
     <dsp:sp modelId="{7449D403-2ABC-E64C-87CE-919E0A13999D}">
@@ -1329,8 +1429,8 @@
       </dsp:nvSpPr>
       <dsp:spPr>
         <a:xfrm>
-          <a:off x="5224462" y="227164"/>
-          <a:ext cx="2901156" cy="1160462"/>
+          <a:off x="5090765" y="242013"/>
+          <a:ext cx="2826914" cy="1130765"/>
         </a:xfrm>
         <a:prstGeom prst="chevron">
           <a:avLst/>
@@ -1338,37 +1438,13 @@
         <a:gradFill rotWithShape="0">
           <a:gsLst>
             <a:gs pos="0">
-              <a:schemeClr val="accent1">
-                <a:hueOff val="0"/>
-                <a:satOff val="0"/>
-                <a:lumOff val="0"/>
-                <a:alphaOff val="0"/>
-                <a:satMod val="103000"/>
-                <a:lumMod val="102000"/>
-                <a:tint val="94000"/>
-              </a:schemeClr>
+              <a:srgbClr val="A14788"/>
             </a:gs>
             <a:gs pos="50000">
-              <a:schemeClr val="accent1">
-                <a:hueOff val="0"/>
-                <a:satOff val="0"/>
-                <a:lumOff val="0"/>
-                <a:alphaOff val="0"/>
-                <a:satMod val="110000"/>
-                <a:lumMod val="100000"/>
-                <a:shade val="100000"/>
-              </a:schemeClr>
+              <a:srgbClr val="A14788"/>
             </a:gs>
             <a:gs pos="100000">
-              <a:schemeClr val="accent1">
-                <a:hueOff val="0"/>
-                <a:satOff val="0"/>
-                <a:lumOff val="0"/>
-                <a:alphaOff val="0"/>
-                <a:lumMod val="99000"/>
-                <a:satMod val="120000"/>
-                <a:shade val="78000"/>
-              </a:schemeClr>
+              <a:srgbClr val="B8519B"/>
             </a:gs>
           </a:gsLst>
           <a:lin ang="5400000" scaled="0"/>
@@ -1411,14 +1487,43 @@
           </a:pPr>
           <a:r>
             <a:rPr lang="fr-FR" sz="1400" kern="1200" dirty="0" smtClean="0"/>
-            <a:t>Garde - 20 jours</a:t>
+            <a:t>Phase 3</a:t>
+          </a:r>
+        </a:p>
+        <a:p>
+          <a:pPr lvl="0" algn="ctr" defTabSz="622300">
+            <a:lnSpc>
+              <a:spcPct val="90000"/>
+            </a:lnSpc>
+            <a:spcBef>
+              <a:spcPct val="0"/>
+            </a:spcBef>
+            <a:spcAft>
+              <a:spcPct val="35000"/>
+            </a:spcAft>
+          </a:pPr>
+          <a:r>
+            <a:rPr lang="fr-FR" sz="1400" kern="1200" dirty="0" smtClean="0"/>
+            <a:t>Garde </a:t>
+          </a:r>
+          <a:r>
+            <a:rPr lang="fr-FR" sz="1400" kern="1200" dirty="0" smtClean="0"/>
+            <a:t>- </a:t>
+          </a:r>
+          <a:r>
+            <a:rPr lang="fr-FR" sz="1400" kern="1200" dirty="0" smtClean="0"/>
+            <a:t>4 </a:t>
+          </a:r>
+          <a:r>
+            <a:rPr lang="fr-FR" sz="1400" kern="1200" dirty="0" smtClean="0"/>
+            <a:t>jours</a:t>
           </a:r>
           <a:endParaRPr lang="fr-FR" sz="1400" kern="1200" dirty="0"/>
         </a:p>
       </dsp:txBody>
       <dsp:txXfrm>
-        <a:off x="5804693" y="227164"/>
-        <a:ext cx="1740694" cy="1160462"/>
+        <a:off x="5656148" y="242013"/>
+        <a:ext cx="1696149" cy="1130765"/>
       </dsp:txXfrm>
     </dsp:sp>
   </dsp:spTree>
@@ -2824,7 +2929,7 @@
           <a:p>
             <a:fld id="{76B3F2C8-1B63-984A-8C9D-2402B4577158}" type="datetimeFigureOut">
               <a:rPr lang="fr-FR" smtClean="0"/>
-              <a:t>07/06/2016</a:t>
+              <a:t>10/06/2016</a:t>
             </a:fld>
             <a:endParaRPr lang="fr-FR"/>
           </a:p>
@@ -2989,7 +3094,7 @@
           <a:p>
             <a:fld id="{FA4CF6AE-097E-314A-AF67-34E683B9D313}" type="datetimeFigureOut">
               <a:rPr lang="fr-FR" smtClean="0"/>
-              <a:t>07/06/2016</a:t>
+              <a:t>10/06/2016</a:t>
             </a:fld>
             <a:endParaRPr lang="fr-FR"/>
           </a:p>
@@ -3908,6 +4013,154 @@
 </file>
 
 <file path=ppt/notesSlides/notesSlide6.xml><?xml version="1.0" encoding="utf-8"?>
+<p:notes xmlns:a="http://schemas.openxmlformats.org/drawingml/2006/main" xmlns:r="http://schemas.openxmlformats.org/officeDocument/2006/relationships" xmlns:p="http://schemas.openxmlformats.org/presentationml/2006/main">
+  <p:cSld>
+    <p:spTree>
+      <p:nvGrpSpPr>
+        <p:cNvPr id="1" name=""/>
+        <p:cNvGrpSpPr/>
+        <p:nvPr/>
+      </p:nvGrpSpPr>
+      <p:grpSpPr>
+        <a:xfrm>
+          <a:off x="0" y="0"/>
+          <a:ext cx="0" cy="0"/>
+          <a:chOff x="0" y="0"/>
+          <a:chExt cx="0" cy="0"/>
+        </a:xfrm>
+      </p:grpSpPr>
+      <p:sp>
+        <p:nvSpPr>
+          <p:cNvPr id="2" name="Espace réservé de l’image des diapositives 1"/>
+          <p:cNvSpPr>
+            <a:spLocks noGrp="1" noRot="1" noChangeAspect="1"/>
+          </p:cNvSpPr>
+          <p:nvPr>
+            <p:ph type="sldImg"/>
+          </p:nvPr>
+        </p:nvSpPr>
+        <p:spPr/>
+      </p:sp>
+      <p:sp>
+        <p:nvSpPr>
+          <p:cNvPr id="3" name="Espace réservé des commentaires 2"/>
+          <p:cNvSpPr>
+            <a:spLocks noGrp="1"/>
+          </p:cNvSpPr>
+          <p:nvPr>
+            <p:ph type="body" idx="1"/>
+          </p:nvPr>
+        </p:nvSpPr>
+        <p:spPr/>
+        <p:txBody>
+          <a:bodyPr/>
+          <a:lstStyle/>
+          <a:p>
+            <a:pPr lvl="1"/>
+            <a:r>
+              <a:rPr lang="fr-FR" dirty="0" smtClean="0"/>
+              <a:t>Prix brut unitaire =&gt; 1.8155 / 4 = </a:t>
+            </a:r>
+            <a:r>
+              <a:rPr lang="fr-FR" b="1" dirty="0" smtClean="0"/>
+              <a:t>0.46 cts</a:t>
+            </a:r>
+            <a:r>
+              <a:rPr lang="fr-FR" i="1" dirty="0" smtClean="0"/>
+              <a:t> (0.453875)</a:t>
+            </a:r>
+          </a:p>
+          <a:p>
+            <a:pPr lvl="1"/>
+            <a:r>
+              <a:rPr lang="fr-FR" dirty="0" smtClean="0"/>
+              <a:t>Capacité max. 12’000 litres =&gt; 12K / 4 = 48’000 unités</a:t>
+            </a:r>
+            <a:r>
+              <a:rPr lang="fr-FR" i="1" dirty="0" smtClean="0"/>
+              <a:t> (0.25cl)</a:t>
+            </a:r>
+          </a:p>
+          <a:p>
+            <a:pPr lvl="1"/>
+            <a:r>
+              <a:rPr lang="fr-FR" dirty="0" smtClean="0"/>
+              <a:t>Co</a:t>
+            </a:r>
+            <a:r>
+              <a:rPr lang="fr-CH" dirty="0" err="1" smtClean="0"/>
+              <a:t>ût</a:t>
+            </a:r>
+            <a:r>
+              <a:rPr lang="fr-CH" dirty="0" smtClean="0"/>
+              <a:t> de revient brut</a:t>
+            </a:r>
+            <a:r>
+              <a:rPr lang="fr-FR" dirty="0" smtClean="0"/>
+              <a:t> =&gt; 48’000 * 0.46 = 22’080.-</a:t>
+            </a:r>
+          </a:p>
+          <a:p>
+            <a:pPr lvl="1"/>
+            <a:r>
+              <a:rPr lang="fr-FR" dirty="0" smtClean="0"/>
+              <a:t>=&gt; + Frais fixes =&gt; 22’080.00 + 43’500.00 = 65’580.- CHF</a:t>
+            </a:r>
+          </a:p>
+          <a:p>
+            <a:pPr lvl="1"/>
+            <a:r>
+              <a:rPr lang="fr-FR" dirty="0" smtClean="0"/>
+              <a:t>=&gt; Point mort =&gt; 65’580.00 / 48’000.00 = </a:t>
+            </a:r>
+            <a:r>
+              <a:rPr lang="fr-FR" b="1" dirty="0" smtClean="0"/>
+              <a:t>1.37 cts</a:t>
+            </a:r>
+            <a:r>
+              <a:rPr lang="fr-FR" i="1" dirty="0" smtClean="0"/>
+              <a:t> (1.36625)</a:t>
+            </a:r>
+          </a:p>
+        </p:txBody>
+      </p:sp>
+      <p:sp>
+        <p:nvSpPr>
+          <p:cNvPr id="4" name="Espace réservé du numéro de diapositive 3"/>
+          <p:cNvSpPr>
+            <a:spLocks noGrp="1"/>
+          </p:cNvSpPr>
+          <p:nvPr>
+            <p:ph type="sldNum" sz="quarter" idx="10"/>
+          </p:nvPr>
+        </p:nvSpPr>
+        <p:spPr/>
+        <p:txBody>
+          <a:bodyPr/>
+          <a:lstStyle/>
+          <a:p>
+            <a:fld id="{42134E25-4EDC-7B49-A73D-488B38A7188F}" type="slidenum">
+              <a:rPr lang="fr-FR" smtClean="0"/>
+              <a:t>18</a:t>
+            </a:fld>
+            <a:endParaRPr lang="fr-FR"/>
+          </a:p>
+        </p:txBody>
+      </p:sp>
+    </p:spTree>
+    <p:extLst>
+      <p:ext uri="{BB962C8B-B14F-4D97-AF65-F5344CB8AC3E}">
+        <p14:creationId xmlns:p14="http://schemas.microsoft.com/office/powerpoint/2010/main" val="175181943"/>
+      </p:ext>
+    </p:extLst>
+  </p:cSld>
+  <p:clrMapOvr>
+    <a:masterClrMapping/>
+  </p:clrMapOvr>
+</p:notes>
+</file>
+
+<file path=ppt/notesSlides/notesSlide7.xml><?xml version="1.0" encoding="utf-8"?>
 <p:notes xmlns:a="http://schemas.openxmlformats.org/drawingml/2006/main" xmlns:r="http://schemas.openxmlformats.org/officeDocument/2006/relationships" xmlns:p="http://schemas.openxmlformats.org/presentationml/2006/main">
   <p:cSld>
     <p:spTree>
@@ -6993,20 +7246,54 @@
           <a:lstStyle/>
           <a:p>
             <a:r>
-              <a:rPr lang="fr-FR" dirty="0" smtClean="0"/>
+              <a:rPr lang="fr-FR" sz="2800" dirty="0" smtClean="0"/>
               <a:t>Scénario Brewery &amp; Co.</a:t>
             </a:r>
           </a:p>
           <a:p>
             <a:r>
-              <a:rPr lang="fr-FR" sz="1600" dirty="0" smtClean="0">
+              <a:rPr lang="fr-FR" sz="1800" dirty="0" smtClean="0">
                 <a:solidFill>
                   <a:srgbClr val="A14788"/>
                 </a:solidFill>
               </a:rPr>
-              <a:t>Un jeu sérieux qui sensibilise à la gestion d’entreprise</a:t>
-            </a:r>
-            <a:endParaRPr lang="fr-FR" sz="1600" dirty="0">
+              <a:t>Un jeu </a:t>
+            </a:r>
+            <a:r>
+              <a:rPr lang="fr-FR" sz="1800" dirty="0" smtClean="0">
+                <a:solidFill>
+                  <a:srgbClr val="A14788"/>
+                </a:solidFill>
+              </a:rPr>
+              <a:t>sérieux destiné à se former à la </a:t>
+            </a:r>
+            <a:r>
+              <a:rPr lang="fr-FR" sz="1800" dirty="0" smtClean="0">
+                <a:solidFill>
+                  <a:srgbClr val="A14788"/>
+                </a:solidFill>
+              </a:rPr>
+              <a:t>gestion </a:t>
+            </a:r>
+            <a:r>
+              <a:rPr lang="fr-FR" sz="1800" dirty="0" smtClean="0">
+                <a:solidFill>
+                  <a:srgbClr val="A14788"/>
+                </a:solidFill>
+              </a:rPr>
+              <a:t>d’entreprise</a:t>
+            </a:r>
+          </a:p>
+          <a:p>
+            <a:r>
+              <a:rPr lang="is-IS" sz="1400" i="1" dirty="0" smtClean="0">
+                <a:solidFill>
+                  <a:srgbClr val="A14788"/>
+                </a:solidFill>
+              </a:rPr>
+              <a:t>… En s’amusant !</a:t>
+            </a:r>
+            <a:endParaRPr lang="fr-FR" sz="1600" i="1" dirty="0">
               <a:solidFill>
                 <a:srgbClr val="A14788"/>
               </a:solidFill>
@@ -7036,7 +7323,7 @@
         </p:blipFill>
         <p:spPr>
           <a:xfrm>
-            <a:off x="3556001" y="2036764"/>
+            <a:off x="3556001" y="1898740"/>
             <a:ext cx="5079997" cy="1473199"/>
           </a:xfrm>
           <a:prstGeom prst="rect">
@@ -7450,13 +7737,8 @@
             </a:r>
             <a:r>
               <a:rPr lang="fr-FR" dirty="0" smtClean="0"/>
-              <a:t>et 15 </a:t>
-            </a:r>
-            <a:r>
-              <a:rPr lang="fr-FR" dirty="0" smtClean="0"/>
-              <a:t>jours à livrer l’eau traitée.</a:t>
-            </a:r>
-            <a:endParaRPr lang="fr-FR" dirty="0" smtClean="0"/>
+              <a:t>et 15 jours à livrer l’eau traitée.</a:t>
+            </a:r>
           </a:p>
           <a:p>
             <a:pPr lvl="1"/>
@@ -7483,11 +7765,7 @@
             </a:r>
             <a:r>
               <a:rPr lang="fr-FR" dirty="0" smtClean="0"/>
-              <a:t>avec </a:t>
-            </a:r>
-            <a:r>
-              <a:rPr lang="fr-FR" dirty="0" smtClean="0"/>
-              <a:t>des </a:t>
+              <a:t>avec des </a:t>
             </a:r>
             <a:r>
               <a:rPr lang="fr-CH" dirty="0" smtClean="0"/>
@@ -9294,7 +9572,15 @@
           <a:p>
             <a:r>
               <a:rPr lang="fr-FR" dirty="0" smtClean="0"/>
-              <a:t>Prix de revient de 40 hectolitres</a:t>
+              <a:t>Prix de revient </a:t>
+            </a:r>
+            <a:r>
+              <a:rPr lang="fr-FR" dirty="0" smtClean="0"/>
+              <a:t>brut de </a:t>
+            </a:r>
+            <a:r>
+              <a:rPr lang="fr-FR" dirty="0" smtClean="0"/>
+              <a:t>40 hectolitres</a:t>
             </a:r>
             <a:endParaRPr lang="fr-FR" dirty="0"/>
           </a:p>
@@ -9310,14 +9596,14 @@
             <p:ph sz="quarter" idx="10"/>
             <p:extLst>
               <p:ext uri="{D42A27DB-BD31-4B8C-83A1-F6EECF244321}">
-                <p14:modId xmlns:p14="http://schemas.microsoft.com/office/powerpoint/2010/main" val="1979394142"/>
+                <p14:modId xmlns:p14="http://schemas.microsoft.com/office/powerpoint/2010/main" val="844317228"/>
               </p:ext>
             </p:extLst>
           </p:nvPr>
         </p:nvGraphicFramePr>
         <p:xfrm>
           <a:off x="838200" y="1928069"/>
-          <a:ext cx="10515600" cy="3708400"/>
+          <a:ext cx="10515600" cy="4079240"/>
         </p:xfrm>
         <a:graphic>
           <a:graphicData uri="http://schemas.openxmlformats.org/drawingml/2006/table">
@@ -13122,6 +13408,478 @@
                     <a:lstStyle/>
                     <a:p>
                       <a:r>
+                        <a:rPr lang="fr-FR" b="0" dirty="0" smtClean="0"/>
+                        <a:t>Réceptacle 0.25</a:t>
+                      </a:r>
+                      <a:endParaRPr lang="fr-FR" b="0" dirty="0"/>
+                    </a:p>
+                  </a:txBody>
+                  <a:tcPr>
+                    <a:lnL w="12700" cap="flat" cmpd="sng" algn="ctr">
+                      <a:solidFill>
+                        <a:schemeClr val="tx1"/>
+                      </a:solidFill>
+                      <a:prstDash val="solid"/>
+                      <a:round/>
+                      <a:headEnd type="none" w="med" len="med"/>
+                      <a:tailEnd type="none" w="med" len="med"/>
+                    </a:lnL>
+                    <a:lnR w="12700" cap="flat" cmpd="sng" algn="ctr">
+                      <a:solidFill>
+                        <a:schemeClr val="tx1"/>
+                      </a:solidFill>
+                      <a:prstDash val="solid"/>
+                      <a:round/>
+                      <a:headEnd type="none" w="med" len="med"/>
+                      <a:tailEnd type="none" w="med" len="med"/>
+                    </a:lnR>
+                    <a:lnT w="12700" cap="flat" cmpd="sng" algn="ctr">
+                      <a:solidFill>
+                        <a:schemeClr val="tx1"/>
+                      </a:solidFill>
+                      <a:prstDash val="solid"/>
+                      <a:round/>
+                      <a:headEnd type="none" w="med" len="med"/>
+                      <a:tailEnd type="none" w="med" len="med"/>
+                    </a:lnT>
+                    <a:lnB w="12700" cap="flat" cmpd="sng" algn="ctr">
+                      <a:solidFill>
+                        <a:schemeClr val="tx1"/>
+                      </a:solidFill>
+                      <a:prstDash val="solid"/>
+                      <a:round/>
+                      <a:headEnd type="none" w="med" len="med"/>
+                      <a:tailEnd type="none" w="med" len="med"/>
+                    </a:lnB>
+                    <a:solidFill>
+                      <a:srgbClr val="A14788"/>
+                    </a:solidFill>
+                  </a:tcPr>
+                </a:tc>
+                <a:tc>
+                  <a:txBody>
+                    <a:bodyPr/>
+                    <a:lstStyle/>
+                    <a:p>
+                      <a:pPr algn="ctr"/>
+                      <a:r>
+                        <a:rPr lang="fr-FR" i="1" dirty="0" smtClean="0"/>
+                        <a:t>16’000</a:t>
+                      </a:r>
+                      <a:endParaRPr lang="fr-FR" i="1" dirty="0"/>
+                    </a:p>
+                  </a:txBody>
+                  <a:tcPr>
+                    <a:lnL w="12700" cap="flat" cmpd="sng" algn="ctr">
+                      <a:solidFill>
+                        <a:schemeClr val="tx1"/>
+                      </a:solidFill>
+                      <a:prstDash val="solid"/>
+                      <a:round/>
+                      <a:headEnd type="none" w="med" len="med"/>
+                      <a:tailEnd type="none" w="med" len="med"/>
+                    </a:lnL>
+                    <a:lnR w="12700" cap="flat" cmpd="sng" algn="ctr">
+                      <a:solidFill>
+                        <a:schemeClr val="tx1"/>
+                      </a:solidFill>
+                      <a:prstDash val="solid"/>
+                      <a:round/>
+                      <a:headEnd type="none" w="med" len="med"/>
+                      <a:tailEnd type="none" w="med" len="med"/>
+                    </a:lnR>
+                    <a:lnT w="12700" cap="flat" cmpd="sng" algn="ctr">
+                      <a:solidFill>
+                        <a:schemeClr val="tx1"/>
+                      </a:solidFill>
+                      <a:prstDash val="solid"/>
+                      <a:round/>
+                      <a:headEnd type="none" w="med" len="med"/>
+                      <a:tailEnd type="none" w="med" len="med"/>
+                    </a:lnT>
+                    <a:lnB w="12700" cap="flat" cmpd="sng" algn="ctr">
+                      <a:solidFill>
+                        <a:schemeClr val="tx1"/>
+                      </a:solidFill>
+                      <a:prstDash val="solid"/>
+                      <a:round/>
+                      <a:headEnd type="none" w="med" len="med"/>
+                      <a:tailEnd type="none" w="med" len="med"/>
+                    </a:lnB>
+                  </a:tcPr>
+                </a:tc>
+                <a:tc>
+                  <a:txBody>
+                    <a:bodyPr/>
+                    <a:lstStyle/>
+                    <a:p>
+                      <a:pPr algn="ctr"/>
+                      <a:r>
+                        <a:rPr lang="fr-FR" dirty="0" smtClean="0"/>
+                        <a:t>800.-</a:t>
+                      </a:r>
+                      <a:endParaRPr lang="fr-FR" dirty="0"/>
+                    </a:p>
+                  </a:txBody>
+                  <a:tcPr>
+                    <a:lnL w="12700" cap="flat" cmpd="sng" algn="ctr">
+                      <a:solidFill>
+                        <a:schemeClr val="tx1"/>
+                      </a:solidFill>
+                      <a:prstDash val="solid"/>
+                      <a:round/>
+                      <a:headEnd type="none" w="med" len="med"/>
+                      <a:tailEnd type="none" w="med" len="med"/>
+                    </a:lnL>
+                    <a:lnR w="12700" cap="flat" cmpd="sng" algn="ctr">
+                      <a:solidFill>
+                        <a:schemeClr val="tx1"/>
+                      </a:solidFill>
+                      <a:prstDash val="solid"/>
+                      <a:round/>
+                      <a:headEnd type="none" w="med" len="med"/>
+                      <a:tailEnd type="none" w="med" len="med"/>
+                    </a:lnR>
+                    <a:lnT w="12700" cap="flat" cmpd="sng" algn="ctr">
+                      <a:solidFill>
+                        <a:schemeClr val="tx1"/>
+                      </a:solidFill>
+                      <a:prstDash val="solid"/>
+                      <a:round/>
+                      <a:headEnd type="none" w="med" len="med"/>
+                      <a:tailEnd type="none" w="med" len="med"/>
+                    </a:lnT>
+                    <a:lnB w="12700" cap="flat" cmpd="sng" algn="ctr">
+                      <a:solidFill>
+                        <a:schemeClr val="tx1"/>
+                      </a:solidFill>
+                      <a:prstDash val="solid"/>
+                      <a:round/>
+                      <a:headEnd type="none" w="med" len="med"/>
+                      <a:tailEnd type="none" w="med" len="med"/>
+                    </a:lnB>
+                  </a:tcPr>
+                </a:tc>
+                <a:tc>
+                  <a:txBody>
+                    <a:bodyPr/>
+                    <a:lstStyle/>
+                    <a:p>
+                      <a:pPr algn="ctr"/>
+                      <a:r>
+                        <a:rPr lang="fr-FR" i="1" dirty="0" smtClean="0"/>
+                        <a:t>16’000</a:t>
+                      </a:r>
+                      <a:endParaRPr lang="fr-FR" i="1" dirty="0"/>
+                    </a:p>
+                  </a:txBody>
+                  <a:tcPr>
+                    <a:lnL w="12700" cap="flat" cmpd="sng" algn="ctr">
+                      <a:solidFill>
+                        <a:schemeClr val="tx1"/>
+                      </a:solidFill>
+                      <a:prstDash val="solid"/>
+                      <a:round/>
+                      <a:headEnd type="none" w="med" len="med"/>
+                      <a:tailEnd type="none" w="med" len="med"/>
+                    </a:lnL>
+                    <a:lnR w="12700" cap="flat" cmpd="sng" algn="ctr">
+                      <a:solidFill>
+                        <a:schemeClr val="tx1"/>
+                      </a:solidFill>
+                      <a:prstDash val="solid"/>
+                      <a:round/>
+                      <a:headEnd type="none" w="med" len="med"/>
+                      <a:tailEnd type="none" w="med" len="med"/>
+                    </a:lnR>
+                    <a:lnT w="12700" cap="flat" cmpd="sng" algn="ctr">
+                      <a:solidFill>
+                        <a:schemeClr val="tx1"/>
+                      </a:solidFill>
+                      <a:prstDash val="solid"/>
+                      <a:round/>
+                      <a:headEnd type="none" w="med" len="med"/>
+                      <a:tailEnd type="none" w="med" len="med"/>
+                    </a:lnT>
+                    <a:lnB w="12700" cap="flat" cmpd="sng" algn="ctr">
+                      <a:solidFill>
+                        <a:schemeClr val="tx1"/>
+                      </a:solidFill>
+                      <a:prstDash val="solid"/>
+                      <a:round/>
+                      <a:headEnd type="none" w="med" len="med"/>
+                      <a:tailEnd type="none" w="med" len="med"/>
+                    </a:lnB>
+                  </a:tcPr>
+                </a:tc>
+                <a:tc>
+                  <a:txBody>
+                    <a:bodyPr/>
+                    <a:lstStyle/>
+                    <a:p>
+                      <a:pPr algn="ctr"/>
+                      <a:r>
+                        <a:rPr lang="fr-FR" dirty="0" smtClean="0"/>
+                        <a:t>800.-</a:t>
+                      </a:r>
+                      <a:endParaRPr lang="fr-FR" dirty="0"/>
+                    </a:p>
+                  </a:txBody>
+                  <a:tcPr>
+                    <a:lnL w="12700" cap="flat" cmpd="sng" algn="ctr">
+                      <a:solidFill>
+                        <a:schemeClr val="tx1"/>
+                      </a:solidFill>
+                      <a:prstDash val="solid"/>
+                      <a:round/>
+                      <a:headEnd type="none" w="med" len="med"/>
+                      <a:tailEnd type="none" w="med" len="med"/>
+                    </a:lnL>
+                    <a:lnR w="12700" cap="flat" cmpd="sng" algn="ctr">
+                      <a:solidFill>
+                        <a:schemeClr val="tx1"/>
+                      </a:solidFill>
+                      <a:prstDash val="solid"/>
+                      <a:round/>
+                      <a:headEnd type="none" w="med" len="med"/>
+                      <a:tailEnd type="none" w="med" len="med"/>
+                    </a:lnR>
+                    <a:lnT w="12700" cap="flat" cmpd="sng" algn="ctr">
+                      <a:solidFill>
+                        <a:schemeClr val="tx1"/>
+                      </a:solidFill>
+                      <a:prstDash val="solid"/>
+                      <a:round/>
+                      <a:headEnd type="none" w="med" len="med"/>
+                      <a:tailEnd type="none" w="med" len="med"/>
+                    </a:lnT>
+                    <a:lnB w="12700" cap="flat" cmpd="sng" algn="ctr">
+                      <a:solidFill>
+                        <a:schemeClr val="tx1"/>
+                      </a:solidFill>
+                      <a:prstDash val="solid"/>
+                      <a:round/>
+                      <a:headEnd type="none" w="med" len="med"/>
+                      <a:tailEnd type="none" w="med" len="med"/>
+                    </a:lnB>
+                  </a:tcPr>
+                </a:tc>
+                <a:tc>
+                  <a:txBody>
+                    <a:bodyPr/>
+                    <a:lstStyle/>
+                    <a:p>
+                      <a:pPr algn="ctr"/>
+                      <a:r>
+                        <a:rPr lang="fr-FR" i="1" dirty="0" smtClean="0"/>
+                        <a:t>16’000</a:t>
+                      </a:r>
+                      <a:endParaRPr lang="fr-FR" i="1" dirty="0"/>
+                    </a:p>
+                  </a:txBody>
+                  <a:tcPr>
+                    <a:lnL w="12700" cap="flat" cmpd="sng" algn="ctr">
+                      <a:solidFill>
+                        <a:schemeClr val="tx1"/>
+                      </a:solidFill>
+                      <a:prstDash val="solid"/>
+                      <a:round/>
+                      <a:headEnd type="none" w="med" len="med"/>
+                      <a:tailEnd type="none" w="med" len="med"/>
+                    </a:lnL>
+                    <a:lnR w="12700" cap="flat" cmpd="sng" algn="ctr">
+                      <a:solidFill>
+                        <a:schemeClr val="tx1"/>
+                      </a:solidFill>
+                      <a:prstDash val="solid"/>
+                      <a:round/>
+                      <a:headEnd type="none" w="med" len="med"/>
+                      <a:tailEnd type="none" w="med" len="med"/>
+                    </a:lnR>
+                    <a:lnT w="12700" cap="flat" cmpd="sng" algn="ctr">
+                      <a:solidFill>
+                        <a:schemeClr val="tx1"/>
+                      </a:solidFill>
+                      <a:prstDash val="solid"/>
+                      <a:round/>
+                      <a:headEnd type="none" w="med" len="med"/>
+                      <a:tailEnd type="none" w="med" len="med"/>
+                    </a:lnT>
+                    <a:lnB w="12700" cap="flat" cmpd="sng" algn="ctr">
+                      <a:solidFill>
+                        <a:schemeClr val="tx1"/>
+                      </a:solidFill>
+                      <a:prstDash val="solid"/>
+                      <a:round/>
+                      <a:headEnd type="none" w="med" len="med"/>
+                      <a:tailEnd type="none" w="med" len="med"/>
+                    </a:lnB>
+                  </a:tcPr>
+                </a:tc>
+                <a:tc>
+                  <a:txBody>
+                    <a:bodyPr/>
+                    <a:lstStyle/>
+                    <a:p>
+                      <a:pPr algn="ctr"/>
+                      <a:r>
+                        <a:rPr lang="fr-FR" dirty="0" smtClean="0"/>
+                        <a:t>800.-</a:t>
+                      </a:r>
+                      <a:endParaRPr lang="fr-FR" dirty="0"/>
+                    </a:p>
+                  </a:txBody>
+                  <a:tcPr>
+                    <a:lnL w="12700" cap="flat" cmpd="sng" algn="ctr">
+                      <a:solidFill>
+                        <a:schemeClr val="tx1"/>
+                      </a:solidFill>
+                      <a:prstDash val="solid"/>
+                      <a:round/>
+                      <a:headEnd type="none" w="med" len="med"/>
+                      <a:tailEnd type="none" w="med" len="med"/>
+                    </a:lnL>
+                    <a:lnR w="12700" cap="flat" cmpd="sng" algn="ctr">
+                      <a:solidFill>
+                        <a:schemeClr val="tx1"/>
+                      </a:solidFill>
+                      <a:prstDash val="solid"/>
+                      <a:round/>
+                      <a:headEnd type="none" w="med" len="med"/>
+                      <a:tailEnd type="none" w="med" len="med"/>
+                    </a:lnR>
+                    <a:lnT w="12700" cap="flat" cmpd="sng" algn="ctr">
+                      <a:solidFill>
+                        <a:schemeClr val="tx1"/>
+                      </a:solidFill>
+                      <a:prstDash val="solid"/>
+                      <a:round/>
+                      <a:headEnd type="none" w="med" len="med"/>
+                      <a:tailEnd type="none" w="med" len="med"/>
+                    </a:lnT>
+                    <a:lnB w="12700" cap="flat" cmpd="sng" algn="ctr">
+                      <a:solidFill>
+                        <a:schemeClr val="tx1"/>
+                      </a:solidFill>
+                      <a:prstDash val="solid"/>
+                      <a:round/>
+                      <a:headEnd type="none" w="med" len="med"/>
+                      <a:tailEnd type="none" w="med" len="med"/>
+                    </a:lnB>
+                  </a:tcPr>
+                </a:tc>
+                <a:tc>
+                  <a:txBody>
+                    <a:bodyPr/>
+                    <a:lstStyle/>
+                    <a:p>
+                      <a:pPr algn="ctr"/>
+                      <a:r>
+                        <a:rPr lang="fr-FR" i="1" dirty="0" smtClean="0"/>
+                        <a:t>16’000</a:t>
+                      </a:r>
+                      <a:endParaRPr lang="fr-FR" i="1" dirty="0"/>
+                    </a:p>
+                  </a:txBody>
+                  <a:tcPr>
+                    <a:lnL w="12700" cap="flat" cmpd="sng" algn="ctr">
+                      <a:solidFill>
+                        <a:schemeClr val="tx1"/>
+                      </a:solidFill>
+                      <a:prstDash val="solid"/>
+                      <a:round/>
+                      <a:headEnd type="none" w="med" len="med"/>
+                      <a:tailEnd type="none" w="med" len="med"/>
+                    </a:lnL>
+                    <a:lnR w="12700" cap="flat" cmpd="sng" algn="ctr">
+                      <a:solidFill>
+                        <a:schemeClr val="tx1"/>
+                      </a:solidFill>
+                      <a:prstDash val="solid"/>
+                      <a:round/>
+                      <a:headEnd type="none" w="med" len="med"/>
+                      <a:tailEnd type="none" w="med" len="med"/>
+                    </a:lnR>
+                    <a:lnT w="12700" cap="flat" cmpd="sng" algn="ctr">
+                      <a:solidFill>
+                        <a:schemeClr val="tx1"/>
+                      </a:solidFill>
+                      <a:prstDash val="solid"/>
+                      <a:round/>
+                      <a:headEnd type="none" w="med" len="med"/>
+                      <a:tailEnd type="none" w="med" len="med"/>
+                    </a:lnT>
+                    <a:lnB w="12700" cap="flat" cmpd="sng" algn="ctr">
+                      <a:solidFill>
+                        <a:schemeClr val="tx1"/>
+                      </a:solidFill>
+                      <a:prstDash val="solid"/>
+                      <a:round/>
+                      <a:headEnd type="none" w="med" len="med"/>
+                      <a:tailEnd type="none" w="med" len="med"/>
+                    </a:lnB>
+                  </a:tcPr>
+                </a:tc>
+                <a:tc>
+                  <a:txBody>
+                    <a:bodyPr/>
+                    <a:lstStyle/>
+                    <a:p>
+                      <a:pPr algn="ctr"/>
+                      <a:r>
+                        <a:rPr lang="fr-FR" dirty="0" smtClean="0"/>
+                        <a:t>800.-</a:t>
+                      </a:r>
+                      <a:endParaRPr lang="fr-FR" dirty="0"/>
+                    </a:p>
+                  </a:txBody>
+                  <a:tcPr>
+                    <a:lnL w="12700" cap="flat" cmpd="sng" algn="ctr">
+                      <a:solidFill>
+                        <a:schemeClr val="tx1"/>
+                      </a:solidFill>
+                      <a:prstDash val="solid"/>
+                      <a:round/>
+                      <a:headEnd type="none" w="med" len="med"/>
+                      <a:tailEnd type="none" w="med" len="med"/>
+                    </a:lnL>
+                    <a:lnR w="12700" cap="flat" cmpd="sng" algn="ctr">
+                      <a:solidFill>
+                        <a:schemeClr val="tx1"/>
+                      </a:solidFill>
+                      <a:prstDash val="solid"/>
+                      <a:round/>
+                      <a:headEnd type="none" w="med" len="med"/>
+                      <a:tailEnd type="none" w="med" len="med"/>
+                    </a:lnR>
+                    <a:lnT w="12700" cap="flat" cmpd="sng" algn="ctr">
+                      <a:solidFill>
+                        <a:schemeClr val="tx1"/>
+                      </a:solidFill>
+                      <a:prstDash val="solid"/>
+                      <a:round/>
+                      <a:headEnd type="none" w="med" len="med"/>
+                      <a:tailEnd type="none" w="med" len="med"/>
+                    </a:lnT>
+                    <a:lnB w="12700" cap="flat" cmpd="sng" algn="ctr">
+                      <a:solidFill>
+                        <a:schemeClr val="tx1"/>
+                      </a:solidFill>
+                      <a:prstDash val="solid"/>
+                      <a:round/>
+                      <a:headEnd type="none" w="med" len="med"/>
+                      <a:tailEnd type="none" w="med" len="med"/>
+                    </a:lnB>
+                  </a:tcPr>
+                </a:tc>
+              </a:tr>
+              <a:tr h="370840">
+                <a:tc>
+                  <a:txBody>
+                    <a:bodyPr/>
+                    <a:lstStyle/>
+                    <a:p>
+                      <a:r>
                         <a:rPr lang="fr-FR" b="1" dirty="0" smtClean="0"/>
                         <a:t>Total</a:t>
                       </a:r>
@@ -13178,7 +13936,11 @@
                       <a:pPr algn="ctr"/>
                       <a:r>
                         <a:rPr lang="fr-FR" b="1" dirty="0" smtClean="0"/>
-                        <a:t>6’462.-</a:t>
+                        <a:t>7’262</a:t>
+                      </a:r>
+                      <a:r>
+                        <a:rPr lang="fr-FR" b="1" dirty="0" smtClean="0"/>
+                        <a:t>.-</a:t>
                       </a:r>
                       <a:endParaRPr lang="fr-FR" b="1" dirty="0"/>
                     </a:p>
@@ -13278,7 +14040,7 @@
                       <a:pPr algn="ctr"/>
                       <a:r>
                         <a:rPr lang="fr-FR" b="1" dirty="0" smtClean="0"/>
-                        <a:t>7’378.8</a:t>
+                        <a:t>8’178.8</a:t>
                       </a:r>
                       <a:endParaRPr lang="fr-FR" b="1" dirty="0"/>
                     </a:p>
@@ -13378,7 +14140,7 @@
                       <a:pPr algn="ctr"/>
                       <a:r>
                         <a:rPr lang="fr-FR" b="1" dirty="0" smtClean="0"/>
-                        <a:t>6’603.34</a:t>
+                        <a:t>7’403.34</a:t>
                       </a:r>
                       <a:endParaRPr lang="fr-FR" b="1" dirty="0"/>
                     </a:p>
@@ -13478,7 +14240,11 @@
                       <a:pPr algn="ctr"/>
                       <a:r>
                         <a:rPr lang="fr-FR" b="1" dirty="0" smtClean="0"/>
-                        <a:t>8’062.-</a:t>
+                        <a:t>8’862</a:t>
+                      </a:r>
+                      <a:r>
+                        <a:rPr lang="fr-FR" b="1" dirty="0" smtClean="0"/>
+                        <a:t>.-</a:t>
                       </a:r>
                       <a:endParaRPr lang="fr-FR" b="1" dirty="0"/>
                     </a:p>
@@ -13642,7 +14408,15 @@
                       <a:pPr algn="ctr"/>
                       <a:r>
                         <a:rPr lang="fr-FR" b="1" dirty="0" smtClean="0"/>
-                        <a:t> 1.6155 CHF</a:t>
+                        <a:t> </a:t>
+                      </a:r>
+                      <a:r>
+                        <a:rPr lang="fr-FR" b="1" dirty="0" smtClean="0"/>
+                        <a:t>1.8155 </a:t>
+                      </a:r>
+                      <a:r>
+                        <a:rPr lang="fr-FR" b="1" dirty="0" smtClean="0"/>
+                        <a:t>CHF</a:t>
                       </a:r>
                       <a:endParaRPr lang="fr-FR" b="1" dirty="0"/>
                     </a:p>
@@ -13742,7 +14516,11 @@
                       <a:pPr algn="ctr"/>
                       <a:r>
                         <a:rPr lang="fr-FR" b="1" dirty="0" smtClean="0"/>
-                        <a:t>1.8447 CHF</a:t>
+                        <a:t>2.0447 </a:t>
+                      </a:r>
+                      <a:r>
+                        <a:rPr lang="fr-FR" b="1" dirty="0" smtClean="0"/>
+                        <a:t>CHF</a:t>
                       </a:r>
                       <a:endParaRPr lang="fr-FR" b="1" dirty="0"/>
                     </a:p>
@@ -13842,7 +14620,11 @@
                       <a:pPr algn="ctr"/>
                       <a:r>
                         <a:rPr lang="fr-FR" b="1" dirty="0" smtClean="0"/>
-                        <a:t>1.6509 CHF</a:t>
+                        <a:t>1.8508 </a:t>
+                      </a:r>
+                      <a:r>
+                        <a:rPr lang="fr-FR" b="1" dirty="0" smtClean="0"/>
+                        <a:t>CHF</a:t>
                       </a:r>
                       <a:endParaRPr lang="fr-FR" b="1" dirty="0"/>
                     </a:p>
@@ -13942,7 +14724,11 @@
                       <a:pPr algn="ctr"/>
                       <a:r>
                         <a:rPr lang="fr-FR" b="1" dirty="0" smtClean="0"/>
-                        <a:t>2.0155 CHF</a:t>
+                        <a:t>2.2155 </a:t>
+                      </a:r>
+                      <a:r>
+                        <a:rPr lang="fr-FR" b="1" dirty="0" smtClean="0"/>
+                        <a:t>CHF</a:t>
                       </a:r>
                       <a:endParaRPr lang="fr-FR" b="1" dirty="0"/>
                     </a:p>
@@ -14121,7 +14907,7 @@
           <a:p>
             <a:r>
               <a:rPr lang="fr-FR" dirty="0" smtClean="0"/>
-              <a:t>Simulation des résultats mensuels</a:t>
+              <a:t>Exemple schématique du bénéfice</a:t>
             </a:r>
             <a:endParaRPr lang="fr-FR" dirty="0"/>
           </a:p>
@@ -14137,105 +14923,49 @@
             <p:ph sz="quarter" idx="10"/>
           </p:nvPr>
         </p:nvSpPr>
-        <p:spPr/>
+        <p:spPr>
+          <a:xfrm>
+            <a:off x="838200" y="1811338"/>
+            <a:ext cx="10515600" cy="1029140"/>
+          </a:xfrm>
+        </p:spPr>
         <p:txBody>
           <a:bodyPr>
-            <a:normAutofit/>
+            <a:normAutofit fontScale="92500"/>
           </a:bodyPr>
           <a:lstStyle/>
           <a:p>
-            <a:r>
-              <a:rPr lang="fr-FR" dirty="0" smtClean="0"/>
-              <a:t>Hypothèse préalable : 100% de production et 100% de vente sur le produit </a:t>
-            </a:r>
-            <a:r>
-              <a:rPr lang="fr-FR" dirty="0" err="1" smtClean="0"/>
-              <a:t>Lager</a:t>
-            </a:r>
-            <a:r>
-              <a:rPr lang="fr-FR" dirty="0" smtClean="0"/>
-              <a:t> </a:t>
-            </a:r>
-            <a:r>
-              <a:rPr lang="fr-FR" dirty="0" err="1" smtClean="0"/>
-              <a:t>Beer</a:t>
-            </a:r>
-            <a:r>
-              <a:rPr lang="fr-FR" dirty="0" smtClean="0"/>
-              <a:t> BW01:</a:t>
-            </a:r>
-          </a:p>
-          <a:p>
-            <a:pPr lvl="1"/>
-            <a:r>
-              <a:rPr lang="fr-FR" dirty="0" smtClean="0"/>
-              <a:t>Prix de revient à l’unité = 1.6155+0.20/4 = </a:t>
-            </a:r>
+            <a:pPr marL="0" indent="0">
+              <a:buNone/>
+            </a:pPr>
             <a:r>
               <a:rPr lang="fr-FR" b="1" dirty="0" smtClean="0"/>
-              <a:t>0.46 cts</a:t>
-            </a:r>
-            <a:endParaRPr lang="fr-FR" dirty="0" smtClean="0"/>
-          </a:p>
-          <a:p>
-            <a:pPr lvl="1"/>
-            <a:r>
-              <a:rPr lang="fr-FR" dirty="0" smtClean="0"/>
-              <a:t>12’000 litres =&gt; 12’000 litres / 4 (conteneur de 0.25L) = 48’000 unités</a:t>
-            </a:r>
-          </a:p>
-          <a:p>
-            <a:pPr lvl="1"/>
-            <a:r>
-              <a:rPr lang="fr-FR" dirty="0" smtClean="0"/>
-              <a:t>Charges =&gt; 48’000 * 0.46 = 22’080.-</a:t>
-            </a:r>
-          </a:p>
-          <a:p>
-            <a:pPr lvl="1"/>
-            <a:r>
-              <a:rPr lang="fr-FR" dirty="0" smtClean="0"/>
-              <a:t>Produits =&gt; 48’000 * 1.96 = 94’080.- (Chiffre d’affaires)</a:t>
-            </a:r>
-          </a:p>
-          <a:p>
-            <a:pPr>
-              <a:spcBef>
-                <a:spcPts val="600"/>
-              </a:spcBef>
-              <a:spcAft>
-                <a:spcPts val="600"/>
-              </a:spcAft>
+              <a:t>Hypothèse produit BW01</a:t>
+            </a:r>
+          </a:p>
+          <a:p>
+            <a:pPr marL="0" indent="0">
+              <a:buNone/>
             </a:pPr>
             <a:r>
-              <a:rPr lang="fr-FR" dirty="0" smtClean="0">
-                <a:solidFill>
-                  <a:schemeClr val="accent6">
-                    <a:lumMod val="75000"/>
-                  </a:schemeClr>
-                </a:solidFill>
-              </a:rPr>
-              <a:t>Résultat brut = 72’000.- CHF</a:t>
-            </a:r>
-          </a:p>
-          <a:p>
-            <a:pPr>
-              <a:spcBef>
-                <a:spcPts val="600"/>
-              </a:spcBef>
-              <a:spcAft>
-                <a:spcPts val="600"/>
-              </a:spcAft>
-            </a:pPr>
-            <a:r>
-              <a:rPr lang="fr-FR" dirty="0" smtClean="0">
-                <a:solidFill>
-                  <a:schemeClr val="accent6">
-                    <a:lumMod val="75000"/>
-                  </a:schemeClr>
-                </a:solidFill>
-              </a:rPr>
-              <a:t>Résultat net = 72’000 – 43’500 = 28’500.- CHF</a:t>
+              <a:rPr lang="fr-FR" i="1" dirty="0" smtClean="0"/>
+              <a:t>« </a:t>
+            </a:r>
+            <a:r>
+              <a:rPr lang="fr-FR" b="1" i="1" dirty="0" smtClean="0"/>
+              <a:t>100%</a:t>
+            </a:r>
+            <a:r>
+              <a:rPr lang="fr-FR" i="1" dirty="0" smtClean="0"/>
+              <a:t> de la capacité de production et </a:t>
+            </a:r>
+            <a:r>
+              <a:rPr lang="fr-FR" b="1" i="1" dirty="0" smtClean="0"/>
+              <a:t>100%</a:t>
+            </a:r>
+            <a:r>
+              <a:rPr lang="fr-FR" i="1" dirty="0" smtClean="0"/>
+              <a:t> des vente avec 10% de marge »</a:t>
             </a:r>
           </a:p>
           <a:p>
@@ -14269,6 +14999,602 @@
               <a:t>18</a:t>
             </a:fld>
             <a:endParaRPr lang="fr-FR" dirty="0"/>
+          </a:p>
+        </p:txBody>
+      </p:sp>
+      <p:sp>
+        <p:nvSpPr>
+          <p:cNvPr id="6" name="ZoneTexte 5"/>
+          <p:cNvSpPr txBox="1"/>
+          <p:nvPr/>
+        </p:nvSpPr>
+        <p:spPr>
+          <a:xfrm>
+            <a:off x="838199" y="3112573"/>
+            <a:ext cx="2016000" cy="954107"/>
+          </a:xfrm>
+          <a:prstGeom prst="rect">
+            <a:avLst/>
+          </a:prstGeom>
+          <a:solidFill>
+            <a:schemeClr val="accent2">
+              <a:lumMod val="20000"/>
+              <a:lumOff val="80000"/>
+            </a:schemeClr>
+          </a:solidFill>
+        </p:spPr>
+        <p:txBody>
+          <a:bodyPr wrap="none" rtlCol="0">
+            <a:spAutoFit/>
+          </a:bodyPr>
+          <a:lstStyle/>
+          <a:p>
+            <a:r>
+              <a:rPr lang="fr-FR" sz="2000" b="1" dirty="0" smtClean="0"/>
+              <a:t>Prix de revient</a:t>
+            </a:r>
+          </a:p>
+          <a:p>
+            <a:r>
+              <a:rPr lang="fr-FR" sz="1600" i="1" dirty="0" smtClean="0"/>
+              <a:t>unitaire</a:t>
+            </a:r>
+          </a:p>
+          <a:p>
+            <a:r>
+              <a:rPr lang="fr-FR" sz="2000" b="1" dirty="0" smtClean="0"/>
+              <a:t>0.46 cts</a:t>
+            </a:r>
+            <a:endParaRPr lang="fr-FR" sz="2000" b="1" dirty="0"/>
+          </a:p>
+        </p:txBody>
+      </p:sp>
+      <p:sp>
+        <p:nvSpPr>
+          <p:cNvPr id="7" name="ZoneTexte 6"/>
+          <p:cNvSpPr txBox="1"/>
+          <p:nvPr/>
+        </p:nvSpPr>
+        <p:spPr>
+          <a:xfrm>
+            <a:off x="838199" y="4102992"/>
+            <a:ext cx="2016000" cy="954107"/>
+          </a:xfrm>
+          <a:prstGeom prst="rect">
+            <a:avLst/>
+          </a:prstGeom>
+          <a:solidFill>
+            <a:schemeClr val="accent2">
+              <a:lumMod val="20000"/>
+              <a:lumOff val="80000"/>
+            </a:schemeClr>
+          </a:solidFill>
+        </p:spPr>
+        <p:txBody>
+          <a:bodyPr wrap="none" rtlCol="0">
+            <a:spAutoFit/>
+          </a:bodyPr>
+          <a:lstStyle/>
+          <a:p>
+            <a:r>
+              <a:rPr lang="fr-FR" sz="2000" b="1" dirty="0" smtClean="0"/>
+              <a:t>100% production</a:t>
+            </a:r>
+          </a:p>
+          <a:p>
+            <a:r>
+              <a:rPr lang="fr-FR" sz="1600" i="1" dirty="0" smtClean="0"/>
+              <a:t>48’000 unités</a:t>
+            </a:r>
+          </a:p>
+          <a:p>
+            <a:r>
+              <a:rPr lang="fr-FR" sz="2000" b="1" dirty="0" smtClean="0"/>
+              <a:t>22’080.00 CHF</a:t>
+            </a:r>
+            <a:endParaRPr lang="fr-FR" sz="2000" b="1" dirty="0"/>
+          </a:p>
+        </p:txBody>
+      </p:sp>
+      <p:sp>
+        <p:nvSpPr>
+          <p:cNvPr id="8" name="ZoneTexte 7"/>
+          <p:cNvSpPr txBox="1"/>
+          <p:nvPr/>
+        </p:nvSpPr>
+        <p:spPr>
+          <a:xfrm>
+            <a:off x="2893109" y="3112572"/>
+            <a:ext cx="3600000" cy="1944000"/>
+          </a:xfrm>
+          <a:prstGeom prst="rect">
+            <a:avLst/>
+          </a:prstGeom>
+          <a:solidFill>
+            <a:schemeClr val="accent2">
+              <a:lumMod val="20000"/>
+              <a:lumOff val="80000"/>
+            </a:schemeClr>
+          </a:solidFill>
+        </p:spPr>
+        <p:txBody>
+          <a:bodyPr wrap="none" rtlCol="0" anchor="ctr" anchorCtr="0">
+            <a:noAutofit/>
+          </a:bodyPr>
+          <a:lstStyle/>
+          <a:p>
+            <a:r>
+              <a:rPr lang="fr-FR" sz="2800" b="1" dirty="0" smtClean="0"/>
+              <a:t>Frais fixes</a:t>
+            </a:r>
+          </a:p>
+          <a:p>
+            <a:pPr marL="457200" indent="-457200">
+              <a:buFontTx/>
+              <a:buChar char="-"/>
+            </a:pPr>
+            <a:r>
+              <a:rPr lang="fr-FR" sz="2800" b="1" dirty="0" smtClean="0"/>
+              <a:t>35’000.00 CHF</a:t>
+            </a:r>
+          </a:p>
+          <a:p>
+            <a:pPr marL="457200" indent="-457200">
+              <a:buFontTx/>
+              <a:buChar char="-"/>
+            </a:pPr>
+            <a:r>
+              <a:rPr lang="fr-FR" sz="2800" b="1" dirty="0" smtClean="0"/>
+              <a:t>08’500.00 CHF</a:t>
+            </a:r>
+            <a:endParaRPr lang="fr-FR" sz="2800" b="1" dirty="0"/>
+          </a:p>
+        </p:txBody>
+      </p:sp>
+      <p:sp>
+        <p:nvSpPr>
+          <p:cNvPr id="10" name="Signalisation droite 9"/>
+          <p:cNvSpPr/>
+          <p:nvPr/>
+        </p:nvSpPr>
+        <p:spPr>
+          <a:xfrm>
+            <a:off x="6533749" y="3112572"/>
+            <a:ext cx="2677221" cy="1934367"/>
+          </a:xfrm>
+          <a:prstGeom prst="homePlate">
+            <a:avLst/>
+          </a:prstGeom>
+          <a:solidFill>
+            <a:schemeClr val="accent6">
+              <a:lumMod val="40000"/>
+              <a:lumOff val="60000"/>
+            </a:schemeClr>
+          </a:solidFill>
+          <a:ln>
+            <a:solidFill>
+              <a:schemeClr val="accent6">
+                <a:lumMod val="60000"/>
+                <a:lumOff val="40000"/>
+              </a:schemeClr>
+            </a:solidFill>
+          </a:ln>
+        </p:spPr>
+        <p:style>
+          <a:lnRef idx="2">
+            <a:schemeClr val="accent1">
+              <a:shade val="50000"/>
+            </a:schemeClr>
+          </a:lnRef>
+          <a:fillRef idx="1">
+            <a:schemeClr val="accent1"/>
+          </a:fillRef>
+          <a:effectRef idx="0">
+            <a:schemeClr val="accent1"/>
+          </a:effectRef>
+          <a:fontRef idx="minor">
+            <a:schemeClr val="lt1"/>
+          </a:fontRef>
+        </p:style>
+        <p:txBody>
+          <a:bodyPr rtlCol="0" anchor="ctr"/>
+          <a:lstStyle/>
+          <a:p>
+            <a:pPr algn="ctr"/>
+            <a:r>
+              <a:rPr lang="fr-FR" sz="2400" dirty="0" smtClean="0">
+                <a:solidFill>
+                  <a:schemeClr val="accent6">
+                    <a:lumMod val="75000"/>
+                  </a:schemeClr>
+                </a:solidFill>
+              </a:rPr>
+              <a:t>Zone de profit</a:t>
+            </a:r>
+          </a:p>
+          <a:p>
+            <a:pPr algn="ctr"/>
+            <a:r>
+              <a:rPr lang="fr-FR" sz="2400" dirty="0" smtClean="0">
+                <a:solidFill>
+                  <a:schemeClr val="accent6">
+                    <a:lumMod val="75000"/>
+                  </a:schemeClr>
+                </a:solidFill>
+              </a:rPr>
+              <a:t>10%</a:t>
+            </a:r>
+            <a:endParaRPr lang="fr-FR" sz="2400" dirty="0">
+              <a:solidFill>
+                <a:schemeClr val="accent6">
+                  <a:lumMod val="75000"/>
+                </a:schemeClr>
+              </a:solidFill>
+            </a:endParaRPr>
+          </a:p>
+        </p:txBody>
+      </p:sp>
+      <p:pic>
+        <p:nvPicPr>
+          <p:cNvPr id="5" name="Image 4"/>
+          <p:cNvPicPr>
+            <a:picLocks noChangeAspect="1"/>
+          </p:cNvPicPr>
+          <p:nvPr/>
+        </p:nvPicPr>
+        <p:blipFill>
+          <a:blip r:embed="rId3">
+            <a:extLst>
+              <a:ext uri="{28A0092B-C50C-407E-A947-70E740481C1C}">
+                <a14:useLocalDpi xmlns:a14="http://schemas.microsoft.com/office/drawing/2010/main" val="0"/>
+              </a:ext>
+            </a:extLst>
+          </a:blip>
+          <a:stretch>
+            <a:fillRect/>
+          </a:stretch>
+        </p:blipFill>
+        <p:spPr>
+          <a:xfrm>
+            <a:off x="2238820" y="3460482"/>
+            <a:ext cx="540000" cy="540000"/>
+          </a:xfrm>
+          <a:prstGeom prst="rect">
+            <a:avLst/>
+          </a:prstGeom>
+        </p:spPr>
+      </p:pic>
+      <p:pic>
+        <p:nvPicPr>
+          <p:cNvPr id="11" name="Image 10"/>
+          <p:cNvPicPr>
+            <a:picLocks noChangeAspect="1"/>
+          </p:cNvPicPr>
+          <p:nvPr/>
+        </p:nvPicPr>
+        <p:blipFill>
+          <a:blip r:embed="rId4">
+            <a:extLst>
+              <a:ext uri="{28A0092B-C50C-407E-A947-70E740481C1C}">
+                <a14:useLocalDpi xmlns:a14="http://schemas.microsoft.com/office/drawing/2010/main" val="0"/>
+              </a:ext>
+            </a:extLst>
+          </a:blip>
+          <a:stretch>
+            <a:fillRect/>
+          </a:stretch>
+        </p:blipFill>
+        <p:spPr>
+          <a:xfrm>
+            <a:off x="9251610" y="3274386"/>
+            <a:ext cx="1625600" cy="1625600"/>
+          </a:xfrm>
+          <a:prstGeom prst="rect">
+            <a:avLst/>
+          </a:prstGeom>
+        </p:spPr>
+      </p:pic>
+      <p:sp>
+        <p:nvSpPr>
+          <p:cNvPr id="13" name="Ellipse 12"/>
+          <p:cNvSpPr/>
+          <p:nvPr/>
+        </p:nvSpPr>
+        <p:spPr>
+          <a:xfrm>
+            <a:off x="6372304" y="3948723"/>
+            <a:ext cx="276926" cy="276926"/>
+          </a:xfrm>
+          <a:prstGeom prst="ellipse">
+            <a:avLst/>
+          </a:prstGeom>
+          <a:solidFill>
+            <a:schemeClr val="tx1">
+              <a:lumMod val="50000"/>
+              <a:lumOff val="50000"/>
+            </a:schemeClr>
+          </a:solidFill>
+          <a:ln>
+            <a:solidFill>
+              <a:schemeClr val="tx1">
+                <a:lumMod val="85000"/>
+                <a:lumOff val="15000"/>
+              </a:schemeClr>
+            </a:solidFill>
+          </a:ln>
+        </p:spPr>
+        <p:style>
+          <a:lnRef idx="2">
+            <a:schemeClr val="accent1">
+              <a:shade val="50000"/>
+            </a:schemeClr>
+          </a:lnRef>
+          <a:fillRef idx="1">
+            <a:schemeClr val="accent1"/>
+          </a:fillRef>
+          <a:effectRef idx="0">
+            <a:schemeClr val="accent1"/>
+          </a:effectRef>
+          <a:fontRef idx="minor">
+            <a:schemeClr val="lt1"/>
+          </a:fontRef>
+        </p:style>
+        <p:txBody>
+          <a:bodyPr rtlCol="0" anchor="ctr"/>
+          <a:lstStyle/>
+          <a:p>
+            <a:pPr algn="ctr"/>
+            <a:endParaRPr lang="fr-FR"/>
+          </a:p>
+        </p:txBody>
+      </p:sp>
+      <p:cxnSp>
+        <p:nvCxnSpPr>
+          <p:cNvPr id="15" name="Connecteur droit avec flèche 14"/>
+          <p:cNvCxnSpPr/>
+          <p:nvPr/>
+        </p:nvCxnSpPr>
+        <p:spPr>
+          <a:xfrm flipV="1">
+            <a:off x="6510767" y="5226315"/>
+            <a:ext cx="0" cy="612000"/>
+          </a:xfrm>
+          <a:prstGeom prst="straightConnector1">
+            <a:avLst/>
+          </a:prstGeom>
+          <a:ln w="60325">
+            <a:solidFill>
+              <a:schemeClr val="tx1">
+                <a:lumMod val="65000"/>
+                <a:lumOff val="35000"/>
+              </a:schemeClr>
+            </a:solidFill>
+            <a:tailEnd type="triangle"/>
+          </a:ln>
+        </p:spPr>
+        <p:style>
+          <a:lnRef idx="1">
+            <a:schemeClr val="accent1"/>
+          </a:lnRef>
+          <a:fillRef idx="0">
+            <a:schemeClr val="accent1"/>
+          </a:fillRef>
+          <a:effectRef idx="0">
+            <a:schemeClr val="accent1"/>
+          </a:effectRef>
+          <a:fontRef idx="minor">
+            <a:schemeClr val="tx1"/>
+          </a:fontRef>
+        </p:style>
+      </p:cxnSp>
+      <p:sp>
+        <p:nvSpPr>
+          <p:cNvPr id="19" name="ZoneTexte 18"/>
+          <p:cNvSpPr txBox="1"/>
+          <p:nvPr/>
+        </p:nvSpPr>
+        <p:spPr>
+          <a:xfrm>
+            <a:off x="5835014" y="5791038"/>
+            <a:ext cx="1340432" cy="400110"/>
+          </a:xfrm>
+          <a:prstGeom prst="rect">
+            <a:avLst/>
+          </a:prstGeom>
+          <a:noFill/>
+        </p:spPr>
+        <p:txBody>
+          <a:bodyPr wrap="none" rtlCol="0">
+            <a:spAutoFit/>
+          </a:bodyPr>
+          <a:lstStyle/>
+          <a:p>
+            <a:pPr algn="ctr"/>
+            <a:r>
+              <a:rPr lang="fr-FR" sz="2000" b="1" dirty="0" smtClean="0">
+                <a:solidFill>
+                  <a:schemeClr val="tx1">
+                    <a:lumMod val="65000"/>
+                    <a:lumOff val="35000"/>
+                  </a:schemeClr>
+                </a:solidFill>
+              </a:rPr>
+              <a:t>Point Mort</a:t>
+            </a:r>
+            <a:endParaRPr lang="fr-FR" sz="2000" b="1" dirty="0">
+              <a:solidFill>
+                <a:schemeClr val="tx1">
+                  <a:lumMod val="65000"/>
+                  <a:lumOff val="35000"/>
+                </a:schemeClr>
+              </a:solidFill>
+            </a:endParaRPr>
+          </a:p>
+        </p:txBody>
+      </p:sp>
+      <p:sp>
+        <p:nvSpPr>
+          <p:cNvPr id="20" name="ZoneTexte 19"/>
+          <p:cNvSpPr txBox="1"/>
+          <p:nvPr/>
+        </p:nvSpPr>
+        <p:spPr>
+          <a:xfrm>
+            <a:off x="2723078" y="5299995"/>
+            <a:ext cx="1882246" cy="338554"/>
+          </a:xfrm>
+          <a:prstGeom prst="rect">
+            <a:avLst/>
+          </a:prstGeom>
+          <a:noFill/>
+        </p:spPr>
+        <p:txBody>
+          <a:bodyPr wrap="none" rtlCol="0">
+            <a:spAutoFit/>
+          </a:bodyPr>
+          <a:lstStyle/>
+          <a:p>
+            <a:pPr algn="ctr"/>
+            <a:r>
+              <a:rPr lang="fr-FR" sz="1600" b="1" dirty="0" smtClean="0">
+                <a:solidFill>
+                  <a:srgbClr val="DC7488"/>
+                </a:solidFill>
+              </a:rPr>
+              <a:t>65’580.- frais totaux</a:t>
+            </a:r>
+            <a:endParaRPr lang="fr-FR" sz="1600" b="1" dirty="0">
+              <a:solidFill>
+                <a:srgbClr val="DC7488"/>
+              </a:solidFill>
+            </a:endParaRPr>
+          </a:p>
+        </p:txBody>
+      </p:sp>
+      <p:sp>
+        <p:nvSpPr>
+          <p:cNvPr id="21" name="Accolade ouvrante 20"/>
+          <p:cNvSpPr/>
+          <p:nvPr/>
+        </p:nvSpPr>
+        <p:spPr>
+          <a:xfrm rot="16200000">
+            <a:off x="3541477" y="2372432"/>
+            <a:ext cx="248362" cy="5654909"/>
+          </a:xfrm>
+          <a:prstGeom prst="leftBrace">
+            <a:avLst/>
+          </a:prstGeom>
+          <a:ln>
+            <a:solidFill>
+              <a:srgbClr val="DC7488"/>
+            </a:solidFill>
+          </a:ln>
+        </p:spPr>
+        <p:style>
+          <a:lnRef idx="1">
+            <a:schemeClr val="accent1"/>
+          </a:lnRef>
+          <a:fillRef idx="0">
+            <a:schemeClr val="accent1"/>
+          </a:fillRef>
+          <a:effectRef idx="0">
+            <a:schemeClr val="accent1"/>
+          </a:effectRef>
+          <a:fontRef idx="minor">
+            <a:schemeClr val="tx1"/>
+          </a:fontRef>
+        </p:style>
+        <p:txBody>
+          <a:bodyPr rtlCol="0" anchor="ctr"/>
+          <a:lstStyle/>
+          <a:p>
+            <a:pPr algn="ctr"/>
+            <a:endParaRPr lang="fr-FR"/>
+          </a:p>
+        </p:txBody>
+      </p:sp>
+      <p:sp>
+        <p:nvSpPr>
+          <p:cNvPr id="23" name="ZoneTexte 22"/>
+          <p:cNvSpPr txBox="1"/>
+          <p:nvPr/>
+        </p:nvSpPr>
+        <p:spPr>
+          <a:xfrm>
+            <a:off x="6000126" y="3239760"/>
+            <a:ext cx="1010213" cy="646331"/>
+          </a:xfrm>
+          <a:prstGeom prst="rect">
+            <a:avLst/>
+          </a:prstGeom>
+          <a:noFill/>
+        </p:spPr>
+        <p:txBody>
+          <a:bodyPr wrap="none" rtlCol="0">
+            <a:spAutoFit/>
+          </a:bodyPr>
+          <a:lstStyle/>
+          <a:p>
+            <a:pPr algn="ctr"/>
+            <a:r>
+              <a:rPr lang="fr-FR" sz="3600" b="1" dirty="0" smtClean="0">
+                <a:solidFill>
+                  <a:schemeClr val="tx1">
+                    <a:lumMod val="65000"/>
+                    <a:lumOff val="35000"/>
+                  </a:schemeClr>
+                </a:solidFill>
+              </a:rPr>
+              <a:t>1.37</a:t>
+            </a:r>
+            <a:endParaRPr lang="fr-FR" sz="3600" b="1" dirty="0">
+              <a:solidFill>
+                <a:schemeClr val="tx1">
+                  <a:lumMod val="65000"/>
+                  <a:lumOff val="35000"/>
+                </a:schemeClr>
+              </a:solidFill>
+            </a:endParaRPr>
+          </a:p>
+        </p:txBody>
+      </p:sp>
+      <p:sp>
+        <p:nvSpPr>
+          <p:cNvPr id="24" name="ZoneTexte 23"/>
+          <p:cNvSpPr txBox="1"/>
+          <p:nvPr/>
+        </p:nvSpPr>
+        <p:spPr>
+          <a:xfrm rot="16200000">
+            <a:off x="9721440" y="3922075"/>
+            <a:ext cx="2734851" cy="400110"/>
+          </a:xfrm>
+          <a:prstGeom prst="rect">
+            <a:avLst/>
+          </a:prstGeom>
+          <a:noFill/>
+        </p:spPr>
+        <p:txBody>
+          <a:bodyPr wrap="none" rtlCol="0">
+            <a:spAutoFit/>
+          </a:bodyPr>
+          <a:lstStyle/>
+          <a:p>
+            <a:pPr algn="ctr"/>
+            <a:r>
+              <a:rPr lang="fr-FR" sz="2000" b="1" dirty="0" smtClean="0">
+                <a:solidFill>
+                  <a:schemeClr val="accent6"/>
+                </a:solidFill>
+              </a:rPr>
+              <a:t>Bénéfice brut 6’756 CHF</a:t>
+            </a:r>
+            <a:endParaRPr lang="fr-FR" sz="2000" b="1" dirty="0">
+              <a:solidFill>
+                <a:schemeClr val="accent6"/>
+              </a:solidFill>
+            </a:endParaRPr>
           </a:p>
         </p:txBody>
       </p:sp>
@@ -15590,7 +16916,15 @@
           <a:p>
             <a:r>
               <a:rPr lang="fr-FR" dirty="0" smtClean="0"/>
-              <a:t>Chaque round comporte 13 semaines</a:t>
+              <a:t>Chaque round comporte </a:t>
+            </a:r>
+            <a:r>
+              <a:rPr lang="fr-FR" dirty="0" smtClean="0"/>
+              <a:t>10 </a:t>
+            </a:r>
+            <a:r>
+              <a:rPr lang="fr-FR" dirty="0" smtClean="0"/>
+              <a:t>semaines</a:t>
             </a:r>
           </a:p>
         </p:txBody>
@@ -15647,7 +16981,15 @@
           <a:p>
             <a:r>
               <a:rPr lang="fr-FR" sz="2800" b="1" dirty="0" smtClean="0"/>
-              <a:t>1 round = 13 minutes</a:t>
+              <a:t>1 round = </a:t>
+            </a:r>
+            <a:r>
+              <a:rPr lang="fr-FR" sz="2800" b="1" dirty="0" smtClean="0"/>
+              <a:t>10 </a:t>
+            </a:r>
+            <a:r>
+              <a:rPr lang="fr-FR" sz="2800" b="1" dirty="0" smtClean="0"/>
+              <a:t>minutes</a:t>
             </a:r>
             <a:endParaRPr lang="fr-FR" sz="2800" b="1" dirty="0"/>
           </a:p>
@@ -15707,37 +17049,19 @@
           <a:p>
             <a:r>
               <a:rPr lang="fr-FR" sz="2800" b="1" dirty="0" smtClean="0"/>
-              <a:t>1 partie = 52 minutes</a:t>
-            </a:r>
-            <a:endParaRPr lang="fr-FR" sz="2800" b="1" dirty="0"/>
-          </a:p>
-        </p:txBody>
-      </p:sp>
-      <p:sp>
-        <p:nvSpPr>
-          <p:cNvPr id="11" name="ZoneTexte 10"/>
-          <p:cNvSpPr txBox="1"/>
-          <p:nvPr/>
-        </p:nvSpPr>
-        <p:spPr>
-          <a:xfrm>
-            <a:off x="5959810" y="3594079"/>
-            <a:ext cx="3217740" cy="523220"/>
-          </a:xfrm>
-          <a:prstGeom prst="rect">
-            <a:avLst/>
-          </a:prstGeom>
-          <a:noFill/>
-        </p:spPr>
-        <p:txBody>
-          <a:bodyPr wrap="none" rtlCol="0">
-            <a:spAutoFit/>
-          </a:bodyPr>
-          <a:lstStyle/>
-          <a:p>
+              <a:t>1 partie = </a:t>
+            </a:r>
             <a:r>
               <a:rPr lang="fr-FR" sz="2800" b="1" dirty="0" smtClean="0"/>
-              <a:t>1 jour = 12 secondes</a:t>
+              <a:t>40</a:t>
+            </a:r>
+            <a:r>
+              <a:rPr lang="fr-FR" sz="2800" b="1" dirty="0" smtClean="0"/>
+              <a:t> </a:t>
+            </a:r>
+            <a:r>
+              <a:rPr lang="fr-FR" sz="2800" b="1" dirty="0" smtClean="0"/>
+              <a:t>minutes</a:t>
             </a:r>
             <a:endParaRPr lang="fr-FR" sz="2800" b="1" dirty="0"/>
           </a:p>
@@ -16059,7 +17383,7 @@
             </a:r>
             <a:r>
               <a:rPr lang="fr-CH" dirty="0" smtClean="0"/>
-              <a:t>13</a:t>
+              <a:t>10</a:t>
             </a:r>
             <a:endParaRPr lang="fr-FR" dirty="0"/>
           </a:p>
@@ -16187,8 +17511,8 @@
               <a:t>C’est parti jusqu’à la semaine </a:t>
             </a:r>
             <a:r>
-              <a:rPr lang="fr-CH" dirty="0" smtClean="0"/>
-              <a:t>26</a:t>
+              <a:rPr lang="fr-FR" dirty="0" smtClean="0"/>
+              <a:t>20</a:t>
             </a:r>
             <a:endParaRPr lang="fr-FR" dirty="0"/>
           </a:p>
@@ -16317,7 +17641,7 @@
             </a:r>
             <a:r>
               <a:rPr lang="fr-CH" dirty="0" smtClean="0"/>
-              <a:t>39</a:t>
+              <a:t>30</a:t>
             </a:r>
             <a:endParaRPr lang="fr-FR" dirty="0"/>
           </a:p>
@@ -16446,7 +17770,7 @@
             </a:r>
             <a:r>
               <a:rPr lang="fr-CH" dirty="0" smtClean="0"/>
-              <a:t>52</a:t>
+              <a:t>40</a:t>
             </a:r>
             <a:endParaRPr lang="fr-FR" dirty="0"/>
           </a:p>
@@ -16559,7 +17883,7 @@
         <p:spPr>
           <a:xfrm>
             <a:off x="1523999" y="3910518"/>
-            <a:ext cx="9144000" cy="899809"/>
+            <a:ext cx="9144000" cy="2076214"/>
           </a:xfrm>
         </p:spPr>
         <p:txBody>
@@ -16575,9 +17899,24 @@
             </a:pPr>
             <a:r>
               <a:rPr lang="fr-FR" sz="4000" dirty="0" smtClean="0"/>
-              <a:t>C’est terminé</a:t>
-            </a:r>
-            <a:endParaRPr lang="fr-FR" sz="2800" dirty="0">
+              <a:t>C’est </a:t>
+            </a:r>
+            <a:r>
+              <a:rPr lang="fr-FR" sz="4000" dirty="0" smtClean="0"/>
+              <a:t>terminé</a:t>
+            </a:r>
+          </a:p>
+          <a:p>
+            <a:pPr lvl="0"/>
+            <a:r>
+              <a:rPr lang="fr-FR" sz="1800" dirty="0" smtClean="0">
+                <a:solidFill>
+                  <a:srgbClr val="A14788"/>
+                </a:solidFill>
+              </a:rPr>
+              <a:t>Avez-vous bien capitalisé ?</a:t>
+            </a:r>
+            <a:endParaRPr lang="fr-FR" sz="1800" dirty="0">
               <a:solidFill>
                 <a:srgbClr val="A14788"/>
               </a:solidFill>
@@ -16694,7 +18033,31 @@
           <a:p>
             <a:r>
               <a:rPr lang="fr-FR" dirty="0" smtClean="0"/>
-              <a:t>Scinder le groupe en unité de 3 à 4 personnes</a:t>
+              <a:t>Diviser</a:t>
+            </a:r>
+            <a:r>
+              <a:rPr lang="fr-FR" dirty="0" smtClean="0"/>
+              <a:t> l’</a:t>
+            </a:r>
+            <a:r>
+              <a:rPr lang="fr-FR" dirty="0" err="1" smtClean="0"/>
+              <a:t>audiance</a:t>
+            </a:r>
+            <a:r>
+              <a:rPr lang="fr-FR" dirty="0" smtClean="0"/>
+              <a:t> en </a:t>
+            </a:r>
+            <a:r>
+              <a:rPr lang="fr-FR" dirty="0" smtClean="0"/>
+              <a:t>groupe </a:t>
+            </a:r>
+            <a:r>
+              <a:rPr lang="fr-FR" dirty="0" smtClean="0"/>
+              <a:t>de </a:t>
+            </a:r>
+            <a:r>
+              <a:rPr lang="fr-FR" dirty="0" smtClean="0"/>
+              <a:t>3 à 4 personnes</a:t>
             </a:r>
           </a:p>
           <a:p>
@@ -18045,7 +19408,7 @@
           <a:p>
             <a:r>
               <a:rPr lang="fr-FR" dirty="0" smtClean="0"/>
-              <a:t>Logistique et production</a:t>
+              <a:t>Composition des produits</a:t>
             </a:r>
             <a:endParaRPr lang="fr-FR" dirty="0"/>
           </a:p>
@@ -18063,45 +19426,55 @@
         </p:nvSpPr>
         <p:spPr/>
         <p:txBody>
-          <a:bodyPr>
-            <a:normAutofit/>
-          </a:bodyPr>
+          <a:bodyPr/>
           <a:lstStyle/>
           <a:p>
             <a:r>
               <a:rPr lang="fr-FR" dirty="0" smtClean="0"/>
-              <a:t>Votre processus de fabrication s’étale sur 25 jours</a:t>
-            </a:r>
-            <a:endParaRPr lang="fr-FR" dirty="0"/>
-          </a:p>
-          <a:p>
-            <a:endParaRPr lang="fr-FR" dirty="0" smtClean="0"/>
-          </a:p>
-          <a:p>
-            <a:endParaRPr lang="fr-FR" dirty="0"/>
-          </a:p>
-          <a:p>
-            <a:endParaRPr lang="fr-FR" dirty="0" smtClean="0"/>
-          </a:p>
-          <a:p>
-            <a:endParaRPr lang="fr-FR" dirty="0"/>
-          </a:p>
-          <a:p>
+              <a:t>Composition d’un litre de bière :</a:t>
+            </a:r>
+          </a:p>
+          <a:p>
+            <a:pPr lvl="1"/>
             <a:r>
               <a:rPr lang="fr-FR" dirty="0" smtClean="0"/>
-              <a:t>La capacité de production de vos installations est de 12’000 litres</a:t>
+              <a:t>Eau de source pure 10 litres par litre</a:t>
             </a:r>
           </a:p>
           <a:p>
             <a:pPr lvl="1"/>
             <a:r>
               <a:rPr lang="fr-FR" dirty="0" smtClean="0"/>
-              <a:t>Possibilité =&gt; 12’000 unités canette et 24’000 unités bouteilles</a:t>
+              <a:t>Houblon 2 grammes par litre</a:t>
             </a:r>
           </a:p>
           <a:p>
             <a:pPr lvl="1"/>
-            <a:endParaRPr lang="fr-FR" dirty="0"/>
+            <a:r>
+              <a:rPr lang="fr-FR" dirty="0" smtClean="0"/>
+              <a:t>Malt 130 grammes par litre</a:t>
+            </a:r>
+          </a:p>
+          <a:p>
+            <a:pPr lvl="1"/>
+            <a:r>
+              <a:rPr lang="fr-FR" dirty="0" smtClean="0"/>
+              <a:t>Levure 6 grammes par litre</a:t>
+            </a:r>
+          </a:p>
+          <a:p>
+            <a:pPr lvl="1"/>
+            <a:r>
+              <a:rPr lang="fr-FR" dirty="0" smtClean="0"/>
+              <a:t>Miel 25 grammes par litre</a:t>
+            </a:r>
+          </a:p>
+          <a:p>
+            <a:pPr lvl="1"/>
+            <a:r>
+              <a:rPr lang="fr-FR" dirty="0" smtClean="0"/>
+              <a:t>Épices 2 bouquets par litre</a:t>
+            </a:r>
           </a:p>
         </p:txBody>
       </p:sp>
@@ -18128,180 +19501,6 @@
               <a:rPr lang="fr-FR" smtClean="0"/>
               <a:pPr/>
               <a:t>7</a:t>
-            </a:fld>
-            <a:endParaRPr lang="fr-FR" dirty="0"/>
-          </a:p>
-        </p:txBody>
-      </p:sp>
-      <p:graphicFrame>
-        <p:nvGraphicFramePr>
-          <p:cNvPr id="5" name="Diagramme 4"/>
-          <p:cNvGraphicFramePr/>
-          <p:nvPr>
-            <p:extLst>
-              <p:ext uri="{D42A27DB-BD31-4B8C-83A1-F6EECF244321}">
-                <p14:modId xmlns:p14="http://schemas.microsoft.com/office/powerpoint/2010/main" val="191858534"/>
-              </p:ext>
-            </p:extLst>
-          </p:nvPr>
-        </p:nvGraphicFramePr>
-        <p:xfrm>
-          <a:off x="2032000" y="2431917"/>
-          <a:ext cx="8128000" cy="1614792"/>
-        </p:xfrm>
-        <a:graphic>
-          <a:graphicData uri="http://schemas.openxmlformats.org/drawingml/2006/diagram">
-            <dgm:relIds xmlns:dgm="http://schemas.openxmlformats.org/drawingml/2006/diagram" xmlns:r="http://schemas.openxmlformats.org/officeDocument/2006/relationships" r:dm="rId2" r:lo="rId3" r:qs="rId4" r:cs="rId5"/>
-          </a:graphicData>
-        </a:graphic>
-      </p:graphicFrame>
-    </p:spTree>
-    <p:extLst>
-      <p:ext uri="{BB962C8B-B14F-4D97-AF65-F5344CB8AC3E}">
-        <p14:creationId xmlns:p14="http://schemas.microsoft.com/office/powerpoint/2010/main" val="1463157031"/>
-      </p:ext>
-    </p:extLst>
-  </p:cSld>
-  <p:clrMapOvr>
-    <a:masterClrMapping/>
-  </p:clrMapOvr>
-  <p:timing>
-    <p:tnLst>
-      <p:par>
-        <p:cTn id="1" dur="indefinite" restart="never" nodeType="tmRoot"/>
-      </p:par>
-    </p:tnLst>
-  </p:timing>
-</p:sld>
-</file>
-
-<file path=ppt/slides/slide9.xml><?xml version="1.0" encoding="utf-8"?>
-<p:sld xmlns:a="http://schemas.openxmlformats.org/drawingml/2006/main" xmlns:r="http://schemas.openxmlformats.org/officeDocument/2006/relationships" xmlns:p="http://schemas.openxmlformats.org/presentationml/2006/main">
-  <p:cSld>
-    <p:spTree>
-      <p:nvGrpSpPr>
-        <p:cNvPr id="1" name=""/>
-        <p:cNvGrpSpPr/>
-        <p:nvPr/>
-      </p:nvGrpSpPr>
-      <p:grpSpPr>
-        <a:xfrm>
-          <a:off x="0" y="0"/>
-          <a:ext cx="0" cy="0"/>
-          <a:chOff x="0" y="0"/>
-          <a:chExt cx="0" cy="0"/>
-        </a:xfrm>
-      </p:grpSpPr>
-      <p:sp>
-        <p:nvSpPr>
-          <p:cNvPr id="2" name="Titre 1"/>
-          <p:cNvSpPr>
-            <a:spLocks noGrp="1"/>
-          </p:cNvSpPr>
-          <p:nvPr>
-            <p:ph type="title"/>
-          </p:nvPr>
-        </p:nvSpPr>
-        <p:spPr/>
-        <p:txBody>
-          <a:bodyPr/>
-          <a:lstStyle/>
-          <a:p>
-            <a:r>
-              <a:rPr lang="fr-FR" dirty="0" smtClean="0"/>
-              <a:t>Composition des produits</a:t>
-            </a:r>
-            <a:endParaRPr lang="fr-FR" dirty="0"/>
-          </a:p>
-        </p:txBody>
-      </p:sp>
-      <p:sp>
-        <p:nvSpPr>
-          <p:cNvPr id="3" name="Espace réservé du contenu 2"/>
-          <p:cNvSpPr>
-            <a:spLocks noGrp="1"/>
-          </p:cNvSpPr>
-          <p:nvPr>
-            <p:ph sz="quarter" idx="10"/>
-          </p:nvPr>
-        </p:nvSpPr>
-        <p:spPr/>
-        <p:txBody>
-          <a:bodyPr/>
-          <a:lstStyle/>
-          <a:p>
-            <a:r>
-              <a:rPr lang="fr-FR" dirty="0" smtClean="0"/>
-              <a:t>Composition d’un litre de bière :</a:t>
-            </a:r>
-          </a:p>
-          <a:p>
-            <a:pPr lvl="1"/>
-            <a:r>
-              <a:rPr lang="fr-FR" dirty="0" smtClean="0"/>
-              <a:t>Eau de source pure 10 litres par litre</a:t>
-            </a:r>
-          </a:p>
-          <a:p>
-            <a:pPr lvl="1"/>
-            <a:r>
-              <a:rPr lang="fr-FR" dirty="0" smtClean="0"/>
-              <a:t>Houblon 2 grammes par litre</a:t>
-            </a:r>
-          </a:p>
-          <a:p>
-            <a:pPr lvl="1"/>
-            <a:r>
-              <a:rPr lang="fr-FR" dirty="0" smtClean="0"/>
-              <a:t>Malt 130 grammes par litre</a:t>
-            </a:r>
-          </a:p>
-          <a:p>
-            <a:pPr lvl="1"/>
-            <a:r>
-              <a:rPr lang="fr-FR" dirty="0" smtClean="0"/>
-              <a:t>Levure 6 grammes par litre</a:t>
-            </a:r>
-          </a:p>
-          <a:p>
-            <a:pPr lvl="1"/>
-            <a:r>
-              <a:rPr lang="fr-FR" dirty="0" smtClean="0"/>
-              <a:t>Miel 25 grammes par litre</a:t>
-            </a:r>
-          </a:p>
-          <a:p>
-            <a:pPr lvl="1"/>
-            <a:r>
-              <a:rPr lang="fr-FR" dirty="0" smtClean="0"/>
-              <a:t>Épices 2 bouquets par litre</a:t>
-            </a:r>
-          </a:p>
-        </p:txBody>
-      </p:sp>
-      <p:sp>
-        <p:nvSpPr>
-          <p:cNvPr id="4" name="Espace réservé du numéro de diapositive 3"/>
-          <p:cNvSpPr>
-            <a:spLocks noGrp="1"/>
-          </p:cNvSpPr>
-          <p:nvPr>
-            <p:ph type="sldNum" sz="quarter" idx="13"/>
-          </p:nvPr>
-        </p:nvSpPr>
-        <p:spPr/>
-        <p:txBody>
-          <a:bodyPr/>
-          <a:lstStyle/>
-          <a:p>
-            <a:r>
-              <a:rPr lang="fr-FR" smtClean="0"/>
-              <a:t>| </a:t>
-            </a:r>
-            <a:fld id="{11F7D731-C055-3249-8EA8-D278BF8107DA}" type="slidenum">
-              <a:rPr lang="fr-FR" smtClean="0"/>
-              <a:pPr/>
-              <a:t>8</a:t>
             </a:fld>
             <a:endParaRPr lang="fr-FR" dirty="0"/>
           </a:p>
@@ -18446,6 +19645,466 @@
     <p:extLst>
       <p:ext uri="{BB962C8B-B14F-4D97-AF65-F5344CB8AC3E}">
         <p14:creationId xmlns:p14="http://schemas.microsoft.com/office/powerpoint/2010/main" val="16208060"/>
+      </p:ext>
+    </p:extLst>
+  </p:cSld>
+  <p:clrMapOvr>
+    <a:masterClrMapping/>
+  </p:clrMapOvr>
+  <p:timing>
+    <p:tnLst>
+      <p:par>
+        <p:cTn id="1" dur="indefinite" restart="never" nodeType="tmRoot"/>
+      </p:par>
+    </p:tnLst>
+  </p:timing>
+</p:sld>
+</file>
+
+<file path=ppt/slides/slide9.xml><?xml version="1.0" encoding="utf-8"?>
+<p:sld xmlns:a="http://schemas.openxmlformats.org/drawingml/2006/main" xmlns:r="http://schemas.openxmlformats.org/officeDocument/2006/relationships" xmlns:p="http://schemas.openxmlformats.org/presentationml/2006/main">
+  <p:cSld>
+    <p:spTree>
+      <p:nvGrpSpPr>
+        <p:cNvPr id="1" name=""/>
+        <p:cNvGrpSpPr/>
+        <p:nvPr/>
+      </p:nvGrpSpPr>
+      <p:grpSpPr>
+        <a:xfrm>
+          <a:off x="0" y="0"/>
+          <a:ext cx="0" cy="0"/>
+          <a:chOff x="0" y="0"/>
+          <a:chExt cx="0" cy="0"/>
+        </a:xfrm>
+      </p:grpSpPr>
+      <p:sp>
+        <p:nvSpPr>
+          <p:cNvPr id="2" name="Titre 1"/>
+          <p:cNvSpPr>
+            <a:spLocks noGrp="1"/>
+          </p:cNvSpPr>
+          <p:nvPr>
+            <p:ph type="title"/>
+          </p:nvPr>
+        </p:nvSpPr>
+        <p:spPr/>
+        <p:txBody>
+          <a:bodyPr/>
+          <a:lstStyle/>
+          <a:p>
+            <a:r>
+              <a:rPr lang="fr-FR" dirty="0" err="1" smtClean="0"/>
+              <a:t>Cha</a:t>
+            </a:r>
+            <a:r>
+              <a:rPr lang="fr-CH" dirty="0" err="1" smtClean="0"/>
+              <a:t>îne</a:t>
+            </a:r>
+            <a:r>
+              <a:rPr lang="fr-CH" dirty="0" smtClean="0"/>
+              <a:t> de valeur</a:t>
+            </a:r>
+            <a:endParaRPr lang="fr-FR" dirty="0"/>
+          </a:p>
+        </p:txBody>
+      </p:sp>
+      <p:sp>
+        <p:nvSpPr>
+          <p:cNvPr id="3" name="Espace réservé du contenu 2"/>
+          <p:cNvSpPr>
+            <a:spLocks noGrp="1"/>
+          </p:cNvSpPr>
+          <p:nvPr>
+            <p:ph sz="quarter" idx="10"/>
+          </p:nvPr>
+        </p:nvSpPr>
+        <p:spPr/>
+        <p:txBody>
+          <a:bodyPr>
+            <a:normAutofit/>
+          </a:bodyPr>
+          <a:lstStyle/>
+          <a:p>
+            <a:r>
+              <a:rPr lang="fr-FR" dirty="0" smtClean="0"/>
+              <a:t>Votre processus de fabrication s’étale sur </a:t>
+            </a:r>
+            <a:r>
+              <a:rPr lang="fr-FR" dirty="0" smtClean="0"/>
+              <a:t>5 </a:t>
+            </a:r>
+            <a:r>
+              <a:rPr lang="fr-FR" dirty="0" smtClean="0"/>
+              <a:t>jours</a:t>
+            </a:r>
+            <a:endParaRPr lang="fr-FR" dirty="0"/>
+          </a:p>
+          <a:p>
+            <a:endParaRPr lang="fr-FR" dirty="0" smtClean="0"/>
+          </a:p>
+          <a:p>
+            <a:endParaRPr lang="fr-FR" dirty="0"/>
+          </a:p>
+          <a:p>
+            <a:endParaRPr lang="fr-FR" dirty="0" smtClean="0"/>
+          </a:p>
+          <a:p>
+            <a:endParaRPr lang="fr-FR" dirty="0"/>
+          </a:p>
+          <a:p>
+            <a:r>
+              <a:rPr lang="fr-FR" dirty="0" smtClean="0"/>
+              <a:t>Chaque semaine vos lignes produisent 4’000 litres de bière</a:t>
+            </a:r>
+          </a:p>
+          <a:p>
+            <a:pPr lvl="1"/>
+            <a:r>
+              <a:rPr lang="fr-FR" dirty="0" smtClean="0"/>
+              <a:t>Capacité totale de vos trois lignes : 12’000 litres</a:t>
+            </a:r>
+          </a:p>
+          <a:p>
+            <a:pPr lvl="1"/>
+            <a:r>
+              <a:rPr lang="fr-FR" dirty="0" smtClean="0"/>
+              <a:t>24’000 cannettes ou 48’000 bouteilles</a:t>
+            </a:r>
+            <a:endParaRPr lang="fr-FR" dirty="0"/>
+          </a:p>
+        </p:txBody>
+      </p:sp>
+      <p:sp>
+        <p:nvSpPr>
+          <p:cNvPr id="4" name="Espace réservé du numéro de diapositive 3"/>
+          <p:cNvSpPr>
+            <a:spLocks noGrp="1"/>
+          </p:cNvSpPr>
+          <p:nvPr>
+            <p:ph type="sldNum" sz="quarter" idx="13"/>
+          </p:nvPr>
+        </p:nvSpPr>
+        <p:spPr/>
+        <p:txBody>
+          <a:bodyPr/>
+          <a:lstStyle/>
+          <a:p>
+            <a:r>
+              <a:rPr lang="fr-FR" smtClean="0"/>
+              <a:t>| </a:t>
+            </a:r>
+            <a:fld id="{11F7D731-C055-3249-8EA8-D278BF8107DA}" type="slidenum">
+              <a:rPr lang="fr-FR" smtClean="0"/>
+              <a:pPr/>
+              <a:t>8</a:t>
+            </a:fld>
+            <a:endParaRPr lang="fr-FR" dirty="0"/>
+          </a:p>
+        </p:txBody>
+      </p:sp>
+      <p:graphicFrame>
+        <p:nvGraphicFramePr>
+          <p:cNvPr id="5" name="Diagramme 4"/>
+          <p:cNvGraphicFramePr>
+            <a:graphicFrameLocks/>
+          </p:cNvGraphicFramePr>
+          <p:nvPr>
+            <p:extLst>
+              <p:ext uri="{D42A27DB-BD31-4B8C-83A1-F6EECF244321}">
+                <p14:modId xmlns:p14="http://schemas.microsoft.com/office/powerpoint/2010/main" val="207828997"/>
+              </p:ext>
+            </p:extLst>
+          </p:nvPr>
+        </p:nvGraphicFramePr>
+        <p:xfrm>
+          <a:off x="2135518" y="2431917"/>
+          <a:ext cx="7920000" cy="1614792"/>
+        </p:xfrm>
+        <a:graphic>
+          <a:graphicData uri="http://schemas.openxmlformats.org/drawingml/2006/diagram">
+            <dgm:relIds xmlns:dgm="http://schemas.openxmlformats.org/drawingml/2006/diagram" xmlns:r="http://schemas.openxmlformats.org/officeDocument/2006/relationships" r:dm="rId2" r:lo="rId3" r:qs="rId4" r:cs="rId5"/>
+          </a:graphicData>
+        </a:graphic>
+      </p:graphicFrame>
+      <p:grpSp>
+        <p:nvGrpSpPr>
+          <p:cNvPr id="12" name="Grouper 11"/>
+          <p:cNvGrpSpPr>
+            <a:grpSpLocks noChangeAspect="1"/>
+          </p:cNvGrpSpPr>
+          <p:nvPr/>
+        </p:nvGrpSpPr>
+        <p:grpSpPr>
+          <a:xfrm>
+            <a:off x="982490" y="2646714"/>
+            <a:ext cx="1001532" cy="1188000"/>
+            <a:chOff x="792703" y="2267150"/>
+            <a:chExt cx="1330291" cy="1577974"/>
+          </a:xfrm>
+        </p:grpSpPr>
+        <p:pic>
+          <p:nvPicPr>
+            <p:cNvPr id="8" name="Image 7"/>
+            <p:cNvPicPr>
+              <a:picLocks noChangeAspect="1"/>
+            </p:cNvPicPr>
+            <p:nvPr/>
+          </p:nvPicPr>
+          <p:blipFill>
+            <a:blip r:embed="rId7">
+              <a:extLst>
+                <a:ext uri="{28A0092B-C50C-407E-A947-70E740481C1C}">
+                  <a14:useLocalDpi xmlns:a14="http://schemas.microsoft.com/office/drawing/2010/main" val="0"/>
+                </a:ext>
+              </a:extLst>
+            </a:blip>
+            <a:stretch>
+              <a:fillRect/>
+            </a:stretch>
+          </p:blipFill>
+          <p:spPr>
+            <a:xfrm>
+              <a:off x="838200" y="2267150"/>
+              <a:ext cx="642397" cy="642396"/>
+            </a:xfrm>
+            <a:prstGeom prst="rect">
+              <a:avLst/>
+            </a:prstGeom>
+          </p:spPr>
+        </p:pic>
+        <p:pic>
+          <p:nvPicPr>
+            <p:cNvPr id="9" name="Image 8"/>
+            <p:cNvPicPr>
+              <a:picLocks noChangeAspect="1"/>
+            </p:cNvPicPr>
+            <p:nvPr/>
+          </p:nvPicPr>
+          <p:blipFill>
+            <a:blip r:embed="rId8">
+              <a:extLst>
+                <a:ext uri="{28A0092B-C50C-407E-A947-70E740481C1C}">
+                  <a14:useLocalDpi xmlns:a14="http://schemas.microsoft.com/office/drawing/2010/main" val="0"/>
+                </a:ext>
+              </a:extLst>
+            </a:blip>
+            <a:stretch>
+              <a:fillRect/>
+            </a:stretch>
+          </p:blipFill>
+          <p:spPr>
+            <a:xfrm>
+              <a:off x="1480597" y="2614080"/>
+              <a:ext cx="642397" cy="642396"/>
+            </a:xfrm>
+            <a:prstGeom prst="rect">
+              <a:avLst/>
+            </a:prstGeom>
+          </p:spPr>
+        </p:pic>
+        <p:pic>
+          <p:nvPicPr>
+            <p:cNvPr id="10" name="Image 9"/>
+            <p:cNvPicPr>
+              <a:picLocks noChangeAspect="1"/>
+            </p:cNvPicPr>
+            <p:nvPr/>
+          </p:nvPicPr>
+          <p:blipFill>
+            <a:blip r:embed="rId9">
+              <a:extLst>
+                <a:ext uri="{28A0092B-C50C-407E-A947-70E740481C1C}">
+                  <a14:useLocalDpi xmlns:a14="http://schemas.microsoft.com/office/drawing/2010/main" val="0"/>
+                </a:ext>
+              </a:extLst>
+            </a:blip>
+            <a:stretch>
+              <a:fillRect/>
+            </a:stretch>
+          </p:blipFill>
+          <p:spPr>
+            <a:xfrm>
+              <a:off x="1517225" y="3377125"/>
+              <a:ext cx="468000" cy="467999"/>
+            </a:xfrm>
+            <a:prstGeom prst="rect">
+              <a:avLst/>
+            </a:prstGeom>
+          </p:spPr>
+        </p:pic>
+        <p:pic>
+          <p:nvPicPr>
+            <p:cNvPr id="11" name="Image 10"/>
+            <p:cNvPicPr>
+              <a:picLocks noChangeAspect="1"/>
+            </p:cNvPicPr>
+            <p:nvPr/>
+          </p:nvPicPr>
+          <p:blipFill>
+            <a:blip r:embed="rId10">
+              <a:extLst>
+                <a:ext uri="{28A0092B-C50C-407E-A947-70E740481C1C}">
+                  <a14:useLocalDpi xmlns:a14="http://schemas.microsoft.com/office/drawing/2010/main" val="0"/>
+                </a:ext>
+              </a:extLst>
+            </a:blip>
+            <a:stretch>
+              <a:fillRect/>
+            </a:stretch>
+          </p:blipFill>
+          <p:spPr>
+            <a:xfrm>
+              <a:off x="792703" y="3044161"/>
+              <a:ext cx="642397" cy="642396"/>
+            </a:xfrm>
+            <a:prstGeom prst="rect">
+              <a:avLst/>
+            </a:prstGeom>
+          </p:spPr>
+        </p:pic>
+      </p:grpSp>
+      <p:grpSp>
+        <p:nvGrpSpPr>
+          <p:cNvPr id="17" name="Grouper 16"/>
+          <p:cNvGrpSpPr>
+            <a:grpSpLocks noChangeAspect="1"/>
+          </p:cNvGrpSpPr>
+          <p:nvPr/>
+        </p:nvGrpSpPr>
+        <p:grpSpPr>
+          <a:xfrm>
+            <a:off x="10055518" y="2390234"/>
+            <a:ext cx="1080000" cy="1710748"/>
+            <a:chOff x="10055518" y="1976160"/>
+            <a:chExt cx="1232964" cy="1953047"/>
+          </a:xfrm>
+        </p:grpSpPr>
+        <p:pic>
+          <p:nvPicPr>
+            <p:cNvPr id="13" name="Image 12"/>
+            <p:cNvPicPr>
+              <a:picLocks noChangeAspect="1"/>
+            </p:cNvPicPr>
+            <p:nvPr/>
+          </p:nvPicPr>
+          <p:blipFill>
+            <a:blip r:embed="rId11">
+              <a:extLst>
+                <a:ext uri="{28A0092B-C50C-407E-A947-70E740481C1C}">
+                  <a14:useLocalDpi xmlns:a14="http://schemas.microsoft.com/office/drawing/2010/main" val="0"/>
+                </a:ext>
+              </a:extLst>
+            </a:blip>
+            <a:stretch>
+              <a:fillRect/>
+            </a:stretch>
+          </p:blipFill>
+          <p:spPr>
+            <a:xfrm>
+              <a:off x="10568482" y="2760629"/>
+              <a:ext cx="720000" cy="720000"/>
+            </a:xfrm>
+            <a:prstGeom prst="rect">
+              <a:avLst/>
+            </a:prstGeom>
+          </p:spPr>
+        </p:pic>
+        <p:pic>
+          <p:nvPicPr>
+            <p:cNvPr id="14" name="Image 13"/>
+            <p:cNvPicPr>
+              <a:picLocks noChangeAspect="1"/>
+            </p:cNvPicPr>
+            <p:nvPr/>
+          </p:nvPicPr>
+          <p:blipFill>
+            <a:blip r:embed="rId12">
+              <a:extLst>
+                <a:ext uri="{28A0092B-C50C-407E-A947-70E740481C1C}">
+                  <a14:useLocalDpi xmlns:a14="http://schemas.microsoft.com/office/drawing/2010/main" val="0"/>
+                </a:ext>
+              </a:extLst>
+            </a:blip>
+            <a:stretch>
+              <a:fillRect/>
+            </a:stretch>
+          </p:blipFill>
+          <p:spPr>
+            <a:xfrm>
+              <a:off x="10559498" y="1976160"/>
+              <a:ext cx="720000" cy="720000"/>
+            </a:xfrm>
+            <a:prstGeom prst="rect">
+              <a:avLst/>
+            </a:prstGeom>
+          </p:spPr>
+        </p:pic>
+        <p:pic>
+          <p:nvPicPr>
+            <p:cNvPr id="15" name="Image 14"/>
+            <p:cNvPicPr>
+              <a:picLocks noChangeAspect="1"/>
+            </p:cNvPicPr>
+            <p:nvPr/>
+          </p:nvPicPr>
+          <p:blipFill>
+            <a:blip r:embed="rId13">
+              <a:extLst>
+                <a:ext uri="{28A0092B-C50C-407E-A947-70E740481C1C}">
+                  <a14:useLocalDpi xmlns:a14="http://schemas.microsoft.com/office/drawing/2010/main" val="0"/>
+                </a:ext>
+              </a:extLst>
+            </a:blip>
+            <a:stretch>
+              <a:fillRect/>
+            </a:stretch>
+          </p:blipFill>
+          <p:spPr>
+            <a:xfrm>
+              <a:off x="10121106" y="3209207"/>
+              <a:ext cx="720000" cy="720000"/>
+            </a:xfrm>
+            <a:prstGeom prst="rect">
+              <a:avLst/>
+            </a:prstGeom>
+          </p:spPr>
+        </p:pic>
+        <p:pic>
+          <p:nvPicPr>
+            <p:cNvPr id="16" name="Espace réservé du contenu 8"/>
+            <p:cNvPicPr>
+              <a:picLocks noChangeAspect="1"/>
+            </p:cNvPicPr>
+            <p:nvPr/>
+          </p:nvPicPr>
+          <p:blipFill>
+            <a:blip r:embed="rId14">
+              <a:extLst>
+                <a:ext uri="{28A0092B-C50C-407E-A947-70E740481C1C}">
+                  <a14:useLocalDpi xmlns:a14="http://schemas.microsoft.com/office/drawing/2010/main" val="0"/>
+                </a:ext>
+              </a:extLst>
+            </a:blip>
+            <a:stretch>
+              <a:fillRect/>
+            </a:stretch>
+          </p:blipFill>
+          <p:spPr>
+            <a:xfrm>
+              <a:off x="10055518" y="2424738"/>
+              <a:ext cx="720000" cy="720000"/>
+            </a:xfrm>
+            <a:prstGeom prst="rect">
+              <a:avLst/>
+            </a:prstGeom>
+          </p:spPr>
+        </p:pic>
+      </p:grpSp>
+    </p:spTree>
+    <p:extLst>
+      <p:ext uri="{BB962C8B-B14F-4D97-AF65-F5344CB8AC3E}">
+        <p14:creationId xmlns:p14="http://schemas.microsoft.com/office/powerpoint/2010/main" val="1463157031"/>
       </p:ext>
     </p:extLst>
   </p:cSld>

--- a/BreweryAndCo.pptx
+++ b/BreweryAndCo.pptx
@@ -932,15 +932,7 @@
         <a:p>
           <a:r>
             <a:rPr lang="fr-FR" sz="1400" dirty="0" smtClean="0"/>
-            <a:t>Brassage </a:t>
-          </a:r>
-          <a:r>
-            <a:rPr lang="fr-FR" sz="1400" dirty="0" smtClean="0"/>
-            <a:t>– </a:t>
-          </a:r>
-          <a:r>
-            <a:rPr lang="fr-FR" sz="1400" dirty="0" smtClean="0"/>
-            <a:t>5 heures</a:t>
+            <a:t>Brassage – 5 heures</a:t>
           </a:r>
           <a:endParaRPr lang="fr-FR" sz="1400" dirty="0"/>
         </a:p>
@@ -1002,19 +994,7 @@
         <a:p>
           <a:r>
             <a:rPr lang="fr-FR" sz="1400" dirty="0" smtClean="0"/>
-            <a:t>Fermentation </a:t>
-          </a:r>
-          <a:r>
-            <a:rPr lang="fr-FR" sz="1400" dirty="0" smtClean="0"/>
-            <a:t>– </a:t>
-          </a:r>
-          <a:r>
-            <a:rPr lang="fr-FR" sz="1400" dirty="0" smtClean="0"/>
-            <a:t>1 </a:t>
-          </a:r>
-          <a:r>
-            <a:rPr lang="fr-FR" sz="1400" dirty="0" smtClean="0"/>
-            <a:t>jours</a:t>
+            <a:t>Fermentation – 1 jours</a:t>
           </a:r>
           <a:endParaRPr lang="fr-FR" sz="1400" dirty="0"/>
         </a:p>
@@ -1071,19 +1051,7 @@
         <a:p>
           <a:r>
             <a:rPr lang="fr-FR" sz="1400" dirty="0" smtClean="0"/>
-            <a:t>Garde </a:t>
-          </a:r>
-          <a:r>
-            <a:rPr lang="fr-FR" sz="1400" dirty="0" smtClean="0"/>
-            <a:t>- </a:t>
-          </a:r>
-          <a:r>
-            <a:rPr lang="fr-FR" sz="1400" dirty="0" smtClean="0"/>
-            <a:t>4 </a:t>
-          </a:r>
-          <a:r>
-            <a:rPr lang="fr-FR" sz="1400" dirty="0" smtClean="0"/>
-            <a:t>jours</a:t>
+            <a:t>Garde - 4 jours</a:t>
           </a:r>
           <a:endParaRPr lang="fr-FR" sz="1400" dirty="0"/>
         </a:p>
@@ -1295,15 +1263,7 @@
           </a:pPr>
           <a:r>
             <a:rPr lang="fr-FR" sz="1400" kern="1200" dirty="0" smtClean="0"/>
-            <a:t>Brassage </a:t>
-          </a:r>
-          <a:r>
-            <a:rPr lang="fr-FR" sz="1400" kern="1200" dirty="0" smtClean="0"/>
-            <a:t>– </a:t>
-          </a:r>
-          <a:r>
-            <a:rPr lang="fr-FR" sz="1400" kern="1200" dirty="0" smtClean="0"/>
-            <a:t>5 heures</a:t>
+            <a:t>Brassage – 5 heures</a:t>
           </a:r>
           <a:endParaRPr lang="fr-FR" sz="1400" kern="1200" dirty="0"/>
         </a:p>
@@ -1400,19 +1360,7 @@
           </a:pPr>
           <a:r>
             <a:rPr lang="fr-FR" sz="1400" kern="1200" dirty="0" smtClean="0"/>
-            <a:t>Fermentation </a:t>
-          </a:r>
-          <a:r>
-            <a:rPr lang="fr-FR" sz="1400" kern="1200" dirty="0" smtClean="0"/>
-            <a:t>– </a:t>
-          </a:r>
-          <a:r>
-            <a:rPr lang="fr-FR" sz="1400" kern="1200" dirty="0" smtClean="0"/>
-            <a:t>1 </a:t>
-          </a:r>
-          <a:r>
-            <a:rPr lang="fr-FR" sz="1400" kern="1200" dirty="0" smtClean="0"/>
-            <a:t>jours</a:t>
+            <a:t>Fermentation – 1 jours</a:t>
           </a:r>
           <a:endParaRPr lang="fr-FR" sz="1400" kern="1200" dirty="0"/>
         </a:p>
@@ -1504,19 +1452,7 @@
           </a:pPr>
           <a:r>
             <a:rPr lang="fr-FR" sz="1400" kern="1200" dirty="0" smtClean="0"/>
-            <a:t>Garde </a:t>
-          </a:r>
-          <a:r>
-            <a:rPr lang="fr-FR" sz="1400" kern="1200" dirty="0" smtClean="0"/>
-            <a:t>- </a:t>
-          </a:r>
-          <a:r>
-            <a:rPr lang="fr-FR" sz="1400" kern="1200" dirty="0" smtClean="0"/>
-            <a:t>4 </a:t>
-          </a:r>
-          <a:r>
-            <a:rPr lang="fr-FR" sz="1400" kern="1200" dirty="0" smtClean="0"/>
-            <a:t>jours</a:t>
+            <a:t>Garde - 4 jours</a:t>
           </a:r>
           <a:endParaRPr lang="fr-FR" sz="1400" kern="1200" dirty="0"/>
         </a:p>
@@ -2929,7 +2865,7 @@
           <a:p>
             <a:fld id="{76B3F2C8-1B63-984A-8C9D-2402B4577158}" type="datetimeFigureOut">
               <a:rPr lang="fr-FR" smtClean="0"/>
-              <a:t>10/06/2016</a:t>
+              <a:t>16/06/2016</a:t>
             </a:fld>
             <a:endParaRPr lang="fr-FR"/>
           </a:p>
@@ -3094,7 +3030,7 @@
           <a:p>
             <a:fld id="{FA4CF6AE-097E-314A-AF67-34E683B9D313}" type="datetimeFigureOut">
               <a:rPr lang="fr-FR" smtClean="0"/>
-              <a:t>10/06/2016</a:t>
+              <a:t>16/06/2016</a:t>
             </a:fld>
             <a:endParaRPr lang="fr-FR"/>
           </a:p>
@@ -7257,31 +7193,7 @@
                   <a:srgbClr val="A14788"/>
                 </a:solidFill>
               </a:rPr>
-              <a:t>Un jeu </a:t>
-            </a:r>
-            <a:r>
-              <a:rPr lang="fr-FR" sz="1800" dirty="0" smtClean="0">
-                <a:solidFill>
-                  <a:srgbClr val="A14788"/>
-                </a:solidFill>
-              </a:rPr>
-              <a:t>sérieux destiné à se former à la </a:t>
-            </a:r>
-            <a:r>
-              <a:rPr lang="fr-FR" sz="1800" dirty="0" smtClean="0">
-                <a:solidFill>
-                  <a:srgbClr val="A14788"/>
-                </a:solidFill>
-              </a:rPr>
-              <a:t>gestion </a:t>
-            </a:r>
-            <a:r>
-              <a:rPr lang="fr-FR" sz="1800" dirty="0" smtClean="0">
-                <a:solidFill>
-                  <a:srgbClr val="A14788"/>
-                </a:solidFill>
-              </a:rPr>
-              <a:t>d’entreprise</a:t>
+              <a:t>Un jeu sérieux destiné à se former à la gestion d’entreprise</a:t>
             </a:r>
           </a:p>
           <a:p>
@@ -7718,7 +7630,7 @@
             </a:r>
             <a:r>
               <a:rPr lang="fr-FR" dirty="0" smtClean="0"/>
-              <a:t>offrant des conditions de paiement à 30 jours et livre en 20 jours. Il vous fournit en malts et levure</a:t>
+              <a:t>offrant des conditions de paiement à 30 jours et livre en 15 jours. Il vous fournit en malts et levure</a:t>
             </a:r>
           </a:p>
           <a:p>
@@ -8055,7 +7967,7 @@
           <a:p>
             <a:r>
               <a:rPr lang="fr-FR" dirty="0" smtClean="0"/>
-              <a:t>Vos revendeurs</a:t>
+              <a:t>Vos revendeurs et les parts de marchés</a:t>
             </a:r>
             <a:endParaRPr lang="fr-FR" dirty="0"/>
           </a:p>
@@ -8328,7 +8240,7 @@
         </p:nvSpPr>
         <p:spPr>
           <a:xfrm>
-            <a:off x="6452686" y="3018546"/>
+            <a:off x="6487192" y="2742498"/>
             <a:ext cx="720000" cy="720000"/>
           </a:xfrm>
           <a:prstGeom prst="ellipse">
@@ -8396,7 +8308,7 @@
         </p:nvSpPr>
         <p:spPr>
           <a:xfrm>
-            <a:off x="6499664" y="2441737"/>
+            <a:off x="6430652" y="2182942"/>
             <a:ext cx="540000" cy="540000"/>
           </a:xfrm>
           <a:prstGeom prst="ellipse">
@@ -8462,7 +8374,7 @@
         </p:nvSpPr>
         <p:spPr>
           <a:xfrm>
-            <a:off x="5415067" y="2408967"/>
+            <a:off x="5415067" y="2270943"/>
             <a:ext cx="1080000" cy="1080000"/>
           </a:xfrm>
           <a:prstGeom prst="ellipse">
@@ -8530,7 +8442,7 @@
         </p:nvSpPr>
         <p:spPr>
           <a:xfrm>
-            <a:off x="7020193" y="3845220"/>
+            <a:off x="6985687" y="3672690"/>
             <a:ext cx="720000" cy="720000"/>
           </a:xfrm>
           <a:prstGeom prst="ellipse">
@@ -8598,7 +8510,7 @@
         </p:nvSpPr>
         <p:spPr>
           <a:xfrm>
-            <a:off x="8057812" y="3466739"/>
+            <a:off x="8144077" y="3570257"/>
             <a:ext cx="540000" cy="540000"/>
           </a:xfrm>
           <a:prstGeom prst="ellipse">
@@ -8664,7 +8576,7 @@
         </p:nvSpPr>
         <p:spPr>
           <a:xfrm>
-            <a:off x="7712509" y="4017619"/>
+            <a:off x="7557232" y="4069378"/>
             <a:ext cx="1080000" cy="1080000"/>
           </a:xfrm>
           <a:prstGeom prst="ellipse">
@@ -9045,6 +8957,140 @@
             <a:r>
               <a:rPr lang="fr-FR" sz="1200" dirty="0" smtClean="0"/>
               <a:t>* Comprend restaurants, bars, cafés et discothèques</a:t>
+            </a:r>
+          </a:p>
+        </p:txBody>
+      </p:sp>
+      <p:sp>
+        <p:nvSpPr>
+          <p:cNvPr id="21" name="ZoneTexte 20"/>
+          <p:cNvSpPr txBox="1"/>
+          <p:nvPr/>
+        </p:nvSpPr>
+        <p:spPr>
+          <a:xfrm>
+            <a:off x="4622725" y="3318455"/>
+            <a:ext cx="907744" cy="523220"/>
+          </a:xfrm>
+          <a:prstGeom prst="rect">
+            <a:avLst/>
+          </a:prstGeom>
+          <a:noFill/>
+        </p:spPr>
+        <p:txBody>
+          <a:bodyPr wrap="square" rtlCol="0">
+            <a:spAutoFit/>
+          </a:bodyPr>
+          <a:lstStyle/>
+          <a:p>
+            <a:pPr algn="ctr">
+              <a:spcAft>
+                <a:spcPts val="600"/>
+              </a:spcAft>
+            </a:pPr>
+            <a:r>
+              <a:rPr lang="fr-FR" sz="2800" b="1" dirty="0" smtClean="0">
+                <a:solidFill>
+                  <a:schemeClr val="tx1">
+                    <a:lumMod val="50000"/>
+                    <a:lumOff val="50000"/>
+                  </a:schemeClr>
+                </a:solidFill>
+              </a:rPr>
+              <a:t>45%</a:t>
+            </a:r>
+          </a:p>
+        </p:txBody>
+      </p:sp>
+      <p:sp>
+        <p:nvSpPr>
+          <p:cNvPr id="22" name="ZoneTexte 21"/>
+          <p:cNvSpPr txBox="1"/>
+          <p:nvPr/>
+        </p:nvSpPr>
+        <p:spPr>
+          <a:xfrm>
+            <a:off x="5979198" y="3318455"/>
+            <a:ext cx="907744" cy="523220"/>
+          </a:xfrm>
+          <a:prstGeom prst="rect">
+            <a:avLst/>
+          </a:prstGeom>
+          <a:noFill/>
+        </p:spPr>
+        <p:txBody>
+          <a:bodyPr wrap="square" rtlCol="0">
+            <a:spAutoFit/>
+          </a:bodyPr>
+          <a:lstStyle/>
+          <a:p>
+            <a:pPr algn="ctr">
+              <a:spcAft>
+                <a:spcPts val="600"/>
+              </a:spcAft>
+            </a:pPr>
+            <a:r>
+              <a:rPr lang="fr-FR" sz="2800" b="1" dirty="0" smtClean="0">
+                <a:solidFill>
+                  <a:schemeClr val="tx1">
+                    <a:lumMod val="50000"/>
+                    <a:lumOff val="50000"/>
+                  </a:schemeClr>
+                </a:solidFill>
+              </a:rPr>
+              <a:t>30%</a:t>
+            </a:r>
+          </a:p>
+        </p:txBody>
+      </p:sp>
+      <p:sp>
+        <p:nvSpPr>
+          <p:cNvPr id="23" name="ZoneTexte 22"/>
+          <p:cNvSpPr txBox="1"/>
+          <p:nvPr/>
+        </p:nvSpPr>
+        <p:spPr>
+          <a:xfrm>
+            <a:off x="7410857" y="3318455"/>
+            <a:ext cx="907744" cy="523220"/>
+          </a:xfrm>
+          <a:prstGeom prst="rect">
+            <a:avLst/>
+          </a:prstGeom>
+          <a:noFill/>
+        </p:spPr>
+        <p:txBody>
+          <a:bodyPr wrap="square" rtlCol="0">
+            <a:spAutoFit/>
+          </a:bodyPr>
+          <a:lstStyle/>
+          <a:p>
+            <a:pPr algn="ctr">
+              <a:spcAft>
+                <a:spcPts val="600"/>
+              </a:spcAft>
+            </a:pPr>
+            <a:r>
+              <a:rPr lang="fr-FR" sz="2800" b="1" dirty="0">
+                <a:solidFill>
+                  <a:schemeClr val="tx1">
+                    <a:lumMod val="50000"/>
+                    <a:lumOff val="50000"/>
+                  </a:schemeClr>
+                </a:solidFill>
+              </a:rPr>
+              <a:t>2</a:t>
+            </a:r>
+            <a:r>
+              <a:rPr lang="fr-FR" sz="2800" b="1" dirty="0" smtClean="0">
+                <a:solidFill>
+                  <a:schemeClr val="tx1">
+                    <a:lumMod val="50000"/>
+                    <a:lumOff val="50000"/>
+                  </a:schemeClr>
+                </a:solidFill>
+              </a:rPr>
+              <a:t>0%</a:t>
             </a:r>
           </a:p>
         </p:txBody>
@@ -9483,8 +9529,21 @@
           </a:p>
           <a:p>
             <a:r>
+              <a:rPr lang="fr-CH" dirty="0" smtClean="0"/>
+              <a:t>L’amortissement de vos installations de production</a:t>
+            </a:r>
+          </a:p>
+          <a:p>
+            <a:pPr lvl="1"/>
+            <a:r>
+              <a:rPr lang="fr-CH" dirty="0" smtClean="0"/>
+              <a:t>Sur 10 ans de manière linéaire 3’750.- CHF</a:t>
+            </a:r>
+          </a:p>
+          <a:p>
+            <a:r>
               <a:rPr lang="fr-CH" b="1" dirty="0" smtClean="0"/>
-              <a:t>La totalité des frais fixes à couvrir sont de 43’500.-/mois</a:t>
+              <a:t>La totalité des frais fixes à couvrir sont de 47’250.-/mois</a:t>
             </a:r>
             <a:endParaRPr lang="fr-FR" b="1" dirty="0"/>
           </a:p>
@@ -9572,15 +9631,7 @@
           <a:p>
             <a:r>
               <a:rPr lang="fr-FR" dirty="0" smtClean="0"/>
-              <a:t>Prix de revient </a:t>
-            </a:r>
-            <a:r>
-              <a:rPr lang="fr-FR" dirty="0" smtClean="0"/>
-              <a:t>brut de </a:t>
-            </a:r>
-            <a:r>
-              <a:rPr lang="fr-FR" dirty="0" smtClean="0"/>
-              <a:t>40 hectolitres</a:t>
+              <a:t>Prix de revient brut de 40 hectolitres</a:t>
             </a:r>
             <a:endParaRPr lang="fr-FR" dirty="0"/>
           </a:p>
@@ -9596,7 +9647,7 @@
             <p:ph sz="quarter" idx="10"/>
             <p:extLst>
               <p:ext uri="{D42A27DB-BD31-4B8C-83A1-F6EECF244321}">
-                <p14:modId xmlns:p14="http://schemas.microsoft.com/office/powerpoint/2010/main" val="844317228"/>
+                <p14:modId xmlns:p14="http://schemas.microsoft.com/office/powerpoint/2010/main" val="703855697"/>
               </p:ext>
             </p:extLst>
           </p:nvPr>
@@ -13936,11 +13987,7 @@
                       <a:pPr algn="ctr"/>
                       <a:r>
                         <a:rPr lang="fr-FR" b="1" dirty="0" smtClean="0"/>
-                        <a:t>7’262</a:t>
-                      </a:r>
-                      <a:r>
-                        <a:rPr lang="fr-FR" b="1" dirty="0" smtClean="0"/>
-                        <a:t>.-</a:t>
+                        <a:t>7’262.-</a:t>
                       </a:r>
                       <a:endParaRPr lang="fr-FR" b="1" dirty="0"/>
                     </a:p>
@@ -14240,11 +14287,7 @@
                       <a:pPr algn="ctr"/>
                       <a:r>
                         <a:rPr lang="fr-FR" b="1" dirty="0" smtClean="0"/>
-                        <a:t>8’862</a:t>
-                      </a:r>
-                      <a:r>
-                        <a:rPr lang="fr-FR" b="1" dirty="0" smtClean="0"/>
-                        <a:t>.-</a:t>
+                        <a:t>8’862.-</a:t>
                       </a:r>
                       <a:endParaRPr lang="fr-FR" b="1" dirty="0"/>
                     </a:p>
@@ -14408,15 +14451,7 @@
                       <a:pPr algn="ctr"/>
                       <a:r>
                         <a:rPr lang="fr-FR" b="1" dirty="0" smtClean="0"/>
-                        <a:t> </a:t>
-                      </a:r>
-                      <a:r>
-                        <a:rPr lang="fr-FR" b="1" dirty="0" smtClean="0"/>
-                        <a:t>1.8155 </a:t>
-                      </a:r>
-                      <a:r>
-                        <a:rPr lang="fr-FR" b="1" dirty="0" smtClean="0"/>
-                        <a:t>CHF</a:t>
+                        <a:t> 1.8155 CHF</a:t>
                       </a:r>
                       <a:endParaRPr lang="fr-FR" b="1" dirty="0"/>
                     </a:p>
@@ -14516,11 +14551,7 @@
                       <a:pPr algn="ctr"/>
                       <a:r>
                         <a:rPr lang="fr-FR" b="1" dirty="0" smtClean="0"/>
-                        <a:t>2.0447 </a:t>
-                      </a:r>
-                      <a:r>
-                        <a:rPr lang="fr-FR" b="1" dirty="0" smtClean="0"/>
-                        <a:t>CHF</a:t>
+                        <a:t>2.0447 CHF</a:t>
                       </a:r>
                       <a:endParaRPr lang="fr-FR" b="1" dirty="0"/>
                     </a:p>
@@ -14620,11 +14651,7 @@
                       <a:pPr algn="ctr"/>
                       <a:r>
                         <a:rPr lang="fr-FR" b="1" dirty="0" smtClean="0"/>
-                        <a:t>1.8508 </a:t>
-                      </a:r>
-                      <a:r>
-                        <a:rPr lang="fr-FR" b="1" dirty="0" smtClean="0"/>
-                        <a:t>CHF</a:t>
+                        <a:t>1.8508 CHF</a:t>
                       </a:r>
                       <a:endParaRPr lang="fr-FR" b="1" dirty="0"/>
                     </a:p>
@@ -14724,11 +14751,7 @@
                       <a:pPr algn="ctr"/>
                       <a:r>
                         <a:rPr lang="fr-FR" b="1" dirty="0" smtClean="0"/>
-                        <a:t>2.2155 </a:t>
-                      </a:r>
-                      <a:r>
-                        <a:rPr lang="fr-FR" b="1" dirty="0" smtClean="0"/>
-                        <a:t>CHF</a:t>
+                        <a:t>2.2155 CHF</a:t>
                       </a:r>
                       <a:endParaRPr lang="fr-FR" b="1" dirty="0"/>
                     </a:p>
@@ -15146,6 +15169,16 @@
             <a:r>
               <a:rPr lang="fr-FR" sz="2800" b="1" dirty="0" smtClean="0"/>
               <a:t>08’500.00 CHF</a:t>
+            </a:r>
+          </a:p>
+          <a:p>
+            <a:pPr marL="457200" indent="-457200">
+              <a:buFontTx/>
+              <a:buChar char="-"/>
+            </a:pPr>
+            <a:r>
+              <a:rPr lang="fr-FR" sz="2800" b="1" dirty="0" smtClean="0"/>
+              <a:t>03’750.00 CHF</a:t>
             </a:r>
             <a:endParaRPr lang="fr-FR" sz="2800" b="1" dirty="0"/>
           </a:p>
@@ -15440,8 +15473,8 @@
         </p:nvSpPr>
         <p:spPr>
           <a:xfrm>
-            <a:off x="2723078" y="5299995"/>
-            <a:ext cx="1882246" cy="338554"/>
+            <a:off x="2723077" y="5299995"/>
+            <a:ext cx="1882247" cy="338554"/>
           </a:xfrm>
           <a:prstGeom prst="rect">
             <a:avLst/>
@@ -15461,7 +15494,7 @@
                   <a:srgbClr val="DC7488"/>
                 </a:solidFill>
               </a:rPr>
-              <a:t>65’580.- frais totaux</a:t>
+              <a:t>69’330.- frais totaux</a:t>
             </a:r>
             <a:endParaRPr lang="fr-FR" sz="1600" b="1" dirty="0">
               <a:solidFill>
@@ -15546,7 +15579,7 @@
                   </a:schemeClr>
                 </a:solidFill>
               </a:rPr>
-              <a:t>1.37</a:t>
+              <a:t>1.45</a:t>
             </a:r>
             <a:endParaRPr lang="fr-FR" sz="3600" b="1" dirty="0">
               <a:solidFill>
@@ -16389,9 +16422,104 @@
           <a:p>
             <a:r>
               <a:rPr lang="fr-FR" dirty="0" smtClean="0"/>
-              <a:t>Durant l’année la demande évolue d’un produit à l’autre</a:t>
+              <a:t>Durant l’année </a:t>
+            </a:r>
+            <a:r>
+              <a:rPr lang="fr-FR" dirty="0" smtClean="0"/>
+              <a:t>le volume de </a:t>
+            </a:r>
+            <a:r>
+              <a:rPr lang="fr-FR" dirty="0" smtClean="0"/>
+              <a:t>demande </a:t>
+            </a:r>
+            <a:r>
+              <a:rPr lang="fr-FR" dirty="0" smtClean="0"/>
+              <a:t>évolue :</a:t>
+            </a:r>
+          </a:p>
+          <a:p>
+            <a:pPr marL="0" indent="0">
+              <a:buNone/>
+              <a:tabLst>
+                <a:tab pos="703263" algn="l"/>
+                <a:tab pos="1457325" algn="l"/>
+                <a:tab pos="3636963" algn="l"/>
+                <a:tab pos="5765800" algn="l"/>
+                <a:tab pos="7910513" algn="l"/>
+              </a:tabLst>
+            </a:pPr>
+            <a:r>
+              <a:rPr lang="fr-FR" dirty="0" smtClean="0"/>
+              <a:t>		Hiver	Printemps	Eté	Automne</a:t>
+            </a:r>
+          </a:p>
+          <a:p>
+            <a:pPr marL="0" indent="0">
+              <a:buNone/>
+              <a:tabLst>
+                <a:tab pos="703263" algn="l"/>
+                <a:tab pos="1457325" algn="l"/>
+                <a:tab pos="3636963" algn="l"/>
+                <a:tab pos="5765800" algn="l"/>
+                <a:tab pos="7910513" algn="l"/>
+              </a:tabLst>
+            </a:pPr>
+            <a:r>
+              <a:rPr lang="fr-FR" dirty="0" smtClean="0"/>
+              <a:t>BW01	+0%	+5%	+20%	-5%</a:t>
+            </a:r>
+          </a:p>
+          <a:p>
+            <a:pPr marL="0" indent="0">
+              <a:buNone/>
+              <a:tabLst>
+                <a:tab pos="703263" algn="l"/>
+                <a:tab pos="1457325" algn="l"/>
+                <a:tab pos="3636963" algn="l"/>
+                <a:tab pos="5765800" algn="l"/>
+                <a:tab pos="7910513" algn="l"/>
+              </a:tabLst>
+            </a:pPr>
+            <a:r>
+              <a:rPr lang="fr-FR" dirty="0" smtClean="0"/>
+              <a:t>BW02	+8%	-3%	-3%	+5%</a:t>
+            </a:r>
+          </a:p>
+          <a:p>
+            <a:pPr marL="0" indent="0">
+              <a:buNone/>
+              <a:tabLst>
+                <a:tab pos="703263" algn="l"/>
+                <a:tab pos="1457325" algn="l"/>
+                <a:tab pos="3636963" algn="l"/>
+                <a:tab pos="5765800" algn="l"/>
+                <a:tab pos="7910513" algn="l"/>
+              </a:tabLst>
+            </a:pPr>
+            <a:r>
+              <a:rPr lang="fr-FR" dirty="0" smtClean="0"/>
+              <a:t>BW03	+0%	+0%	+0%	+0%</a:t>
+            </a:r>
+          </a:p>
+          <a:p>
+            <a:pPr marL="0" indent="0">
+              <a:buNone/>
+              <a:tabLst>
+                <a:tab pos="703263" algn="l"/>
+                <a:tab pos="1457325" algn="l"/>
+                <a:tab pos="3636963" algn="l"/>
+                <a:tab pos="5765800" algn="l"/>
+                <a:tab pos="7910513" algn="l"/>
+              </a:tabLst>
+            </a:pPr>
+            <a:r>
+              <a:rPr lang="fr-FR" dirty="0" smtClean="0"/>
+              <a:t>BW04	+15%	-20%	-30%	+45%</a:t>
             </a:r>
             <a:endParaRPr lang="fr-FR" dirty="0"/>
+          </a:p>
+          <a:p>
+            <a:endParaRPr lang="fr-FR" dirty="0" smtClean="0"/>
           </a:p>
         </p:txBody>
       </p:sp>
@@ -16423,27 +16551,6 @@
           </a:p>
         </p:txBody>
       </p:sp>
-      <p:pic>
-        <p:nvPicPr>
-          <p:cNvPr id="5" name="Image 4"/>
-          <p:cNvPicPr/>
-          <p:nvPr/>
-        </p:nvPicPr>
-        <p:blipFill rotWithShape="1">
-          <a:blip r:embed="rId2"/>
-          <a:srcRect t="7134" b="3541"/>
-          <a:stretch/>
-        </p:blipFill>
-        <p:spPr>
-          <a:xfrm>
-            <a:off x="2898895" y="2339776"/>
-            <a:ext cx="6394210" cy="3735421"/>
-          </a:xfrm>
-          <a:prstGeom prst="rect">
-            <a:avLst/>
-          </a:prstGeom>
-        </p:spPr>
-      </p:pic>
     </p:spTree>
     <p:extLst>
       <p:ext uri="{BB962C8B-B14F-4D97-AF65-F5344CB8AC3E}">
@@ -16916,15 +17023,7 @@
           <a:p>
             <a:r>
               <a:rPr lang="fr-FR" dirty="0" smtClean="0"/>
-              <a:t>Chaque round comporte </a:t>
-            </a:r>
-            <a:r>
-              <a:rPr lang="fr-FR" dirty="0" smtClean="0"/>
-              <a:t>10 </a:t>
-            </a:r>
-            <a:r>
-              <a:rPr lang="fr-FR" dirty="0" smtClean="0"/>
-              <a:t>semaines</a:t>
+              <a:t>Chaque round comporte 10 semaines</a:t>
             </a:r>
           </a:p>
         </p:txBody>
@@ -16981,15 +17080,7 @@
           <a:p>
             <a:r>
               <a:rPr lang="fr-FR" sz="2800" b="1" dirty="0" smtClean="0"/>
-              <a:t>1 round = </a:t>
-            </a:r>
-            <a:r>
-              <a:rPr lang="fr-FR" sz="2800" b="1" dirty="0" smtClean="0"/>
-              <a:t>10 </a:t>
-            </a:r>
-            <a:r>
-              <a:rPr lang="fr-FR" sz="2800" b="1" dirty="0" smtClean="0"/>
-              <a:t>minutes</a:t>
+              <a:t>1 round = 10 minutes</a:t>
             </a:r>
             <a:endParaRPr lang="fr-FR" sz="2800" b="1" dirty="0"/>
           </a:p>
@@ -17049,19 +17140,7 @@
           <a:p>
             <a:r>
               <a:rPr lang="fr-FR" sz="2800" b="1" dirty="0" smtClean="0"/>
-              <a:t>1 partie = </a:t>
-            </a:r>
-            <a:r>
-              <a:rPr lang="fr-FR" sz="2800" b="1" dirty="0" smtClean="0"/>
-              <a:t>40</a:t>
-            </a:r>
-            <a:r>
-              <a:rPr lang="fr-FR" sz="2800" b="1" dirty="0" smtClean="0"/>
-              <a:t> </a:t>
-            </a:r>
-            <a:r>
-              <a:rPr lang="fr-FR" sz="2800" b="1" dirty="0" smtClean="0"/>
-              <a:t>minutes</a:t>
+              <a:t>1 partie = 40 minutes</a:t>
             </a:r>
             <a:endParaRPr lang="fr-FR" sz="2800" b="1" dirty="0"/>
           </a:p>
@@ -17508,11 +17587,7 @@
             </a:br>
             <a:r>
               <a:rPr lang="fr-FR" dirty="0" smtClean="0"/>
-              <a:t>C’est parti jusqu’à la semaine </a:t>
-            </a:r>
-            <a:r>
-              <a:rPr lang="fr-FR" dirty="0" smtClean="0"/>
-              <a:t>20</a:t>
+              <a:t>C’est parti jusqu’à la semaine 20</a:t>
             </a:r>
             <a:endParaRPr lang="fr-FR" dirty="0"/>
           </a:p>
@@ -17899,11 +17974,7 @@
             </a:pPr>
             <a:r>
               <a:rPr lang="fr-FR" sz="4000" dirty="0" smtClean="0"/>
-              <a:t>C’est </a:t>
-            </a:r>
-            <a:r>
-              <a:rPr lang="fr-FR" sz="4000" dirty="0" smtClean="0"/>
-              <a:t>terminé</a:t>
+              <a:t>C’est terminé</a:t>
             </a:r>
           </a:p>
           <a:p>
@@ -18033,11 +18104,7 @@
           <a:p>
             <a:r>
               <a:rPr lang="fr-FR" dirty="0" smtClean="0"/>
-              <a:t>Diviser</a:t>
-            </a:r>
-            <a:r>
-              <a:rPr lang="fr-FR" dirty="0" smtClean="0"/>
-              <a:t> l’</a:t>
+              <a:t>Diviser l’</a:t>
             </a:r>
             <a:r>
               <a:rPr lang="fr-FR" dirty="0" err="1" smtClean="0"/>
@@ -18045,19 +18112,7 @@
             </a:r>
             <a:r>
               <a:rPr lang="fr-FR" dirty="0" smtClean="0"/>
-              <a:t> en </a:t>
-            </a:r>
-            <a:r>
-              <a:rPr lang="fr-FR" dirty="0" smtClean="0"/>
-              <a:t>groupe </a:t>
-            </a:r>
-            <a:r>
-              <a:rPr lang="fr-FR" dirty="0" smtClean="0"/>
-              <a:t>de </a:t>
-            </a:r>
-            <a:r>
-              <a:rPr lang="fr-FR" dirty="0" smtClean="0"/>
-              <a:t>3 à 4 personnes</a:t>
+              <a:t> en groupe de 3 à 4 personnes</a:t>
             </a:r>
           </a:p>
           <a:p>
@@ -19728,15 +19783,7 @@
           <a:p>
             <a:r>
               <a:rPr lang="fr-FR" dirty="0" smtClean="0"/>
-              <a:t>Votre processus de fabrication s’étale sur </a:t>
-            </a:r>
-            <a:r>
-              <a:rPr lang="fr-FR" dirty="0" smtClean="0"/>
-              <a:t>5 </a:t>
-            </a:r>
-            <a:r>
-              <a:rPr lang="fr-FR" dirty="0" smtClean="0"/>
-              <a:t>jours</a:t>
+              <a:t>Votre processus de fabrication s’étale sur 5 jours</a:t>
             </a:r>
             <a:endParaRPr lang="fr-FR" dirty="0"/>
           </a:p>
